--- a/BBangSuttleProject/BBANG_SHUTTLE_ver2.pptx
+++ b/BBangSuttleProject/BBANG_SHUTTLE_ver2.pptx
@@ -31,7 +31,7 @@
   <p:notesSz cx="6858000" cy="9144000"/>
   <p:embeddedFontLst>
     <p:embeddedFont>
-      <p:font typeface="한수원 한울림" panose="020B0600000101010101" pitchFamily="50" charset="-127"/>
+      <p:font typeface="한수원 한울림" panose="020B0600000101010101" charset="-127"/>
       <p:regular r:id="rId21"/>
     </p:embeddedFont>
   </p:embeddedFontLst>
@@ -145,6 +145,9 @@
         </p15:guide>
       </p15:sldGuideLst>
     </p:ext>
+    <p:ext uri="{2D200454-40CA-4A62-9FC3-DE9A4176ACB9}">
+      <p15:notesGuideLst xmlns:p15="http://schemas.microsoft.com/office/powerpoint/2012/main"/>
+    </p:ext>
   </p:extLst>
 </p:presentation>
 </file>
@@ -295,38 +298,37 @@
           <a:p>
             <a:pPr lvl="0"/>
             <a:r>
-              <a:rPr lang="ko-KR" altLang="en-US" smtClean="0"/>
+              <a:rPr lang="ko-KR" altLang="en-US"/>
               <a:t>마스터 텍스트 스타일 편집</a:t>
             </a:r>
           </a:p>
           <a:p>
             <a:pPr lvl="1"/>
             <a:r>
-              <a:rPr lang="ko-KR" altLang="en-US" smtClean="0"/>
+              <a:rPr lang="ko-KR" altLang="en-US"/>
               <a:t>둘째 수준</a:t>
             </a:r>
           </a:p>
           <a:p>
             <a:pPr lvl="2"/>
             <a:r>
-              <a:rPr lang="ko-KR" altLang="en-US" smtClean="0"/>
+              <a:rPr lang="ko-KR" altLang="en-US"/>
               <a:t>셋째 수준</a:t>
             </a:r>
           </a:p>
           <a:p>
             <a:pPr lvl="3"/>
             <a:r>
-              <a:rPr lang="ko-KR" altLang="en-US" smtClean="0"/>
+              <a:rPr lang="ko-KR" altLang="en-US"/>
               <a:t>넷째 수준</a:t>
             </a:r>
           </a:p>
           <a:p>
             <a:pPr lvl="4"/>
             <a:r>
-              <a:rPr lang="ko-KR" altLang="en-US" smtClean="0"/>
+              <a:rPr lang="ko-KR" altLang="en-US"/>
               <a:t>다섯째 수준</a:t>
             </a:r>
-            <a:endParaRPr lang="ko-KR" altLang="en-US"/>
           </a:p>
         </p:txBody>
       </p:sp>
@@ -3942,7 +3944,7 @@
                 <a14:useLocalDpi xmlns:a14="http://schemas.microsoft.com/office/drawing/2010/main" val="0"/>
               </a:ext>
               <a:ext uri="{96DAC541-7B7A-43D3-8B79-37D633B846F1}">
-                <asvg:svgBlip xmlns:asvg="http://schemas.microsoft.com/office/drawing/2016/SVG/main" xmlns="" r:embed="rId4"/>
+                <asvg:svgBlip xmlns:asvg="http://schemas.microsoft.com/office/drawing/2016/SVG/main" r:embed="rId4"/>
               </a:ext>
             </a:extLst>
           </a:blip>
@@ -3981,7 +3983,7 @@
                 <a14:useLocalDpi xmlns:a14="http://schemas.microsoft.com/office/drawing/2010/main" val="0"/>
               </a:ext>
               <a:ext uri="{96DAC541-7B7A-43D3-8B79-37D633B846F1}">
-                <asvg:svgBlip xmlns:asvg="http://schemas.microsoft.com/office/drawing/2016/SVG/main" xmlns="" r:embed="rId6"/>
+                <asvg:svgBlip xmlns:asvg="http://schemas.microsoft.com/office/drawing/2016/SVG/main" r:embed="rId6"/>
               </a:ext>
             </a:extLst>
           </a:blip>
@@ -4164,7 +4166,7 @@
           <a:lstStyle/>
           <a:p>
             <a:r>
-              <a:rPr lang="ko-KR" altLang="en-US" sz="4400" b="1" dirty="0" err="1" smtClean="0">
+              <a:rPr lang="ko-KR" altLang="en-US" sz="4400" b="1" dirty="0" err="1">
                 <a:solidFill>
                   <a:schemeClr val="accent2">
                     <a:lumMod val="50000"/>
@@ -4210,7 +4212,7 @@
           <a:lstStyle/>
           <a:p>
             <a:r>
-              <a:rPr lang="ko-KR" altLang="en-US" dirty="0" err="1" smtClean="0">
+              <a:rPr lang="ko-KR" altLang="en-US" dirty="0" err="1">
                 <a:solidFill>
                   <a:schemeClr val="tx1">
                     <a:lumMod val="75000"/>
@@ -4222,7 +4224,7 @@
               </a:rPr>
               <a:t>류승제</a:t>
             </a:r>
-            <a:endParaRPr lang="en-US" altLang="ko-KR" dirty="0" smtClean="0">
+            <a:endParaRPr lang="en-US" altLang="ko-KR" dirty="0">
               <a:solidFill>
                 <a:schemeClr val="tx1">
                   <a:lumMod val="75000"/>
@@ -4235,7 +4237,7 @@
           </a:p>
           <a:p>
             <a:r>
-              <a:rPr lang="ko-KR" altLang="en-US" dirty="0" smtClean="0">
+              <a:rPr lang="ko-KR" altLang="en-US" dirty="0">
                 <a:solidFill>
                   <a:schemeClr val="tx1">
                     <a:lumMod val="75000"/>
@@ -4247,7 +4249,7 @@
               </a:rPr>
               <a:t>정호진</a:t>
             </a:r>
-            <a:endParaRPr lang="en-US" altLang="ko-KR" dirty="0" smtClean="0">
+            <a:endParaRPr lang="en-US" altLang="ko-KR" dirty="0">
               <a:solidFill>
                 <a:schemeClr val="tx1">
                   <a:lumMod val="75000"/>
@@ -4260,7 +4262,7 @@
           </a:p>
           <a:p>
             <a:r>
-              <a:rPr lang="ko-KR" altLang="en-US" dirty="0" err="1" smtClean="0">
+              <a:rPr lang="ko-KR" altLang="en-US" dirty="0" err="1">
                 <a:solidFill>
                   <a:schemeClr val="tx1">
                     <a:lumMod val="75000"/>
@@ -4272,7 +4274,7 @@
               </a:rPr>
               <a:t>심승준</a:t>
             </a:r>
-            <a:endParaRPr lang="en-US" altLang="ko-KR" dirty="0" smtClean="0">
+            <a:endParaRPr lang="en-US" altLang="ko-KR" dirty="0">
               <a:solidFill>
                 <a:schemeClr val="tx1">
                   <a:lumMod val="75000"/>
@@ -4285,7 +4287,7 @@
           </a:p>
           <a:p>
             <a:r>
-              <a:rPr lang="ko-KR" altLang="en-US" dirty="0" smtClean="0">
+              <a:rPr lang="ko-KR" altLang="en-US" dirty="0">
                 <a:solidFill>
                   <a:schemeClr val="tx1">
                     <a:lumMod val="75000"/>
@@ -4297,7 +4299,7 @@
               </a:rPr>
               <a:t>김유림</a:t>
             </a:r>
-            <a:endParaRPr lang="en-US" altLang="ko-KR" dirty="0" smtClean="0">
+            <a:endParaRPr lang="en-US" altLang="ko-KR" dirty="0">
               <a:solidFill>
                 <a:schemeClr val="tx1">
                   <a:lumMod val="75000"/>
@@ -4332,13 +4334,6 @@
       </p:transition>
     </mc:Fallback>
   </mc:AlternateContent>
-  <p:timing>
-    <p:tnLst>
-      <p:par>
-        <p:cTn id="1" dur="indefinite" restart="never" nodeType="tmRoot"/>
-      </p:par>
-    </p:tnLst>
-  </p:timing>
 </p:sld>
 </file>
 
@@ -4534,37 +4529,33 @@
           <a:lstStyle/>
           <a:p>
             <a:r>
-              <a:rPr lang="ko-KR" altLang="en-US" sz="3200" spc="-300" dirty="0" err="1" smtClean="0">
+              <a:rPr lang="ko-KR" altLang="en-US" sz="3200" spc="-300" dirty="0" err="1">
                 <a:latin typeface="한수원 한울림" panose="020B0600000101010101" pitchFamily="50" charset="-127"/>
                 <a:ea typeface="한수원 한울림" panose="020B0600000101010101" pitchFamily="50" charset="-127"/>
               </a:rPr>
               <a:t>기술설명</a:t>
             </a:r>
             <a:r>
-              <a:rPr lang="ko-KR" altLang="en-US" sz="3200" spc="-300" dirty="0" smtClean="0">
+              <a:rPr lang="ko-KR" altLang="en-US" sz="3200" spc="-300" dirty="0">
                 <a:latin typeface="한수원 한울림" panose="020B0600000101010101" pitchFamily="50" charset="-127"/>
                 <a:ea typeface="한수원 한울림" panose="020B0600000101010101" pitchFamily="50" charset="-127"/>
               </a:rPr>
               <a:t> </a:t>
             </a:r>
             <a:r>
-              <a:rPr lang="en-US" altLang="ko-KR" sz="3200" spc="-300" dirty="0" smtClean="0">
+              <a:rPr lang="en-US" altLang="ko-KR" sz="3200" spc="-300" dirty="0">
                 <a:latin typeface="한수원 한울림" panose="020B0600000101010101" pitchFamily="50" charset="-127"/>
                 <a:ea typeface="한수원 한울림" panose="020B0600000101010101" pitchFamily="50" charset="-127"/>
               </a:rPr>
               <a:t>– </a:t>
             </a:r>
             <a:r>
-              <a:rPr lang="ko-KR" altLang="en-US" sz="3200" spc="-300" dirty="0" smtClean="0">
+              <a:rPr lang="ko-KR" altLang="en-US" sz="3200" spc="-300" dirty="0">
                 <a:latin typeface="한수원 한울림" panose="020B0600000101010101" pitchFamily="50" charset="-127"/>
                 <a:ea typeface="한수원 한울림" panose="020B0600000101010101" pitchFamily="50" charset="-127"/>
               </a:rPr>
               <a:t>로그인 및 회원가입</a:t>
             </a:r>
-            <a:endParaRPr lang="ko-KR" altLang="en-US" sz="3200" spc="-300" dirty="0">
-              <a:latin typeface="한수원 한울림" panose="020B0600000101010101" pitchFamily="50" charset="-127"/>
-              <a:ea typeface="한수원 한울림" panose="020B0600000101010101" pitchFamily="50" charset="-127"/>
-            </a:endParaRPr>
           </a:p>
         </p:txBody>
       </p:sp>
@@ -4597,7 +4588,7 @@
           <a:lstStyle/>
           <a:p>
             <a:r>
-              <a:rPr lang="en-US" altLang="ko-KR" sz="1200" dirty="0" smtClean="0">
+              <a:rPr lang="en-US" altLang="ko-KR" sz="1200" dirty="0">
                 <a:latin typeface="한수원 한울림" panose="020B0600000101010101" pitchFamily="50" charset="-127"/>
                 <a:ea typeface="한수원 한울림" panose="020B0600000101010101" pitchFamily="50" charset="-127"/>
               </a:rPr>
@@ -4632,13 +4623,6 @@
       </p:transition>
     </mc:Fallback>
   </mc:AlternateContent>
-  <p:timing>
-    <p:tnLst>
-      <p:par>
-        <p:cTn id="1" dur="indefinite" restart="never" nodeType="tmRoot"/>
-      </p:par>
-    </p:tnLst>
-  </p:timing>
 </p:sld>
 </file>
 
@@ -4834,35 +4818,35 @@
           <a:lstStyle/>
           <a:p>
             <a:r>
-              <a:rPr lang="ko-KR" altLang="en-US" sz="3200" spc="-300" dirty="0" err="1" smtClean="0">
+              <a:rPr lang="ko-KR" altLang="en-US" sz="3200" spc="-300" dirty="0" err="1">
                 <a:latin typeface="한수원 한울림" panose="020B0600000101010101" pitchFamily="50" charset="-127"/>
                 <a:ea typeface="한수원 한울림" panose="020B0600000101010101" pitchFamily="50" charset="-127"/>
               </a:rPr>
               <a:t>기술설명</a:t>
             </a:r>
             <a:r>
-              <a:rPr lang="ko-KR" altLang="en-US" sz="3200" spc="-300" dirty="0" smtClean="0">
+              <a:rPr lang="ko-KR" altLang="en-US" sz="3200" spc="-300" dirty="0">
                 <a:latin typeface="한수원 한울림" panose="020B0600000101010101" pitchFamily="50" charset="-127"/>
                 <a:ea typeface="한수원 한울림" panose="020B0600000101010101" pitchFamily="50" charset="-127"/>
               </a:rPr>
               <a:t> </a:t>
             </a:r>
             <a:r>
-              <a:rPr lang="en-US" altLang="ko-KR" sz="3200" spc="-300" dirty="0" smtClean="0">
+              <a:rPr lang="en-US" altLang="ko-KR" sz="3200" spc="-300" dirty="0">
                 <a:latin typeface="한수원 한울림" panose="020B0600000101010101" pitchFamily="50" charset="-127"/>
                 <a:ea typeface="한수원 한울림" panose="020B0600000101010101" pitchFamily="50" charset="-127"/>
               </a:rPr>
               <a:t>– </a:t>
             </a:r>
             <a:r>
-              <a:rPr lang="ko-KR" altLang="en-US" sz="3200" spc="-300" dirty="0" smtClean="0">
+              <a:rPr lang="ko-KR" altLang="en-US" sz="3200" spc="-300" dirty="0">
                 <a:latin typeface="한수원 한울림" panose="020B0600000101010101" pitchFamily="50" charset="-127"/>
                 <a:ea typeface="한수원 한울림" panose="020B0600000101010101" pitchFamily="50" charset="-127"/>
               </a:rPr>
               <a:t>장바구니</a:t>
             </a:r>
             <a:r>
-              <a:rPr lang="en-US" altLang="ko-KR" sz="3200" spc="-300" dirty="0" smtClean="0">
+              <a:rPr lang="en-US" altLang="ko-KR" sz="3200" spc="-300" dirty="0">
                 <a:latin typeface="한수원 한울림" panose="020B0600000101010101" pitchFamily="50" charset="-127"/>
                 <a:ea typeface="한수원 한울림" panose="020B0600000101010101" pitchFamily="50" charset="-127"/>
               </a:rPr>
@@ -4904,7 +4888,7 @@
           <a:lstStyle/>
           <a:p>
             <a:r>
-              <a:rPr lang="en-US" altLang="ko-KR" sz="1200" dirty="0" smtClean="0">
+              <a:rPr lang="en-US" altLang="ko-KR" sz="1200" dirty="0">
                 <a:latin typeface="한수원 한울림" panose="020B0600000101010101" pitchFamily="50" charset="-127"/>
                 <a:ea typeface="한수원 한울림" panose="020B0600000101010101" pitchFamily="50" charset="-127"/>
               </a:rPr>
@@ -4939,13 +4923,6 @@
       </p:transition>
     </mc:Fallback>
   </mc:AlternateContent>
-  <p:timing>
-    <p:tnLst>
-      <p:par>
-        <p:cTn id="1" dur="indefinite" restart="never" nodeType="tmRoot"/>
-      </p:par>
-    </p:tnLst>
-  </p:timing>
 </p:sld>
 </file>
 
@@ -5141,35 +5118,35 @@
           <a:lstStyle/>
           <a:p>
             <a:r>
-              <a:rPr lang="ko-KR" altLang="en-US" sz="3200" spc="-300" dirty="0" err="1" smtClean="0">
+              <a:rPr lang="ko-KR" altLang="en-US" sz="3200" spc="-300" dirty="0" err="1">
                 <a:latin typeface="한수원 한울림" panose="020B0600000101010101" pitchFamily="50" charset="-127"/>
                 <a:ea typeface="한수원 한울림" panose="020B0600000101010101" pitchFamily="50" charset="-127"/>
               </a:rPr>
               <a:t>기술설명</a:t>
             </a:r>
             <a:r>
-              <a:rPr lang="ko-KR" altLang="en-US" sz="3200" spc="-300" dirty="0" smtClean="0">
+              <a:rPr lang="ko-KR" altLang="en-US" sz="3200" spc="-300" dirty="0">
                 <a:latin typeface="한수원 한울림" panose="020B0600000101010101" pitchFamily="50" charset="-127"/>
                 <a:ea typeface="한수원 한울림" panose="020B0600000101010101" pitchFamily="50" charset="-127"/>
               </a:rPr>
               <a:t> </a:t>
             </a:r>
             <a:r>
-              <a:rPr lang="en-US" altLang="ko-KR" sz="3200" spc="-300" dirty="0" smtClean="0">
+              <a:rPr lang="en-US" altLang="ko-KR" sz="3200" spc="-300" dirty="0">
                 <a:latin typeface="한수원 한울림" panose="020B0600000101010101" pitchFamily="50" charset="-127"/>
                 <a:ea typeface="한수원 한울림" panose="020B0600000101010101" pitchFamily="50" charset="-127"/>
               </a:rPr>
               <a:t>– </a:t>
             </a:r>
             <a:r>
-              <a:rPr lang="ko-KR" altLang="en-US" sz="3200" spc="-300" dirty="0" smtClean="0">
+              <a:rPr lang="ko-KR" altLang="en-US" sz="3200" spc="-300" dirty="0">
                 <a:latin typeface="한수원 한울림" panose="020B0600000101010101" pitchFamily="50" charset="-127"/>
                 <a:ea typeface="한수원 한울림" panose="020B0600000101010101" pitchFamily="50" charset="-127"/>
               </a:rPr>
               <a:t>주문내역</a:t>
             </a:r>
             <a:r>
-              <a:rPr lang="en-US" altLang="ko-KR" sz="3200" spc="-300" dirty="0" smtClean="0">
+              <a:rPr lang="en-US" altLang="ko-KR" sz="3200" spc="-300" dirty="0">
                 <a:latin typeface="한수원 한울림" panose="020B0600000101010101" pitchFamily="50" charset="-127"/>
                 <a:ea typeface="한수원 한울림" panose="020B0600000101010101" pitchFamily="50" charset="-127"/>
               </a:rPr>
@@ -5211,7 +5188,7 @@
           <a:lstStyle/>
           <a:p>
             <a:r>
-              <a:rPr lang="en-US" altLang="ko-KR" sz="1200" dirty="0" smtClean="0">
+              <a:rPr lang="en-US" altLang="ko-KR" sz="1200" dirty="0">
                 <a:latin typeface="한수원 한울림" panose="020B0600000101010101" pitchFamily="50" charset="-127"/>
                 <a:ea typeface="한수원 한울림" panose="020B0600000101010101" pitchFamily="50" charset="-127"/>
               </a:rPr>
@@ -5246,13 +5223,6 @@
       </p:transition>
     </mc:Fallback>
   </mc:AlternateContent>
-  <p:timing>
-    <p:tnLst>
-      <p:par>
-        <p:cTn id="1" dur="indefinite" restart="never" nodeType="tmRoot"/>
-      </p:par>
-    </p:tnLst>
-  </p:timing>
 </p:sld>
 </file>
 
@@ -5448,35 +5418,35 @@
           <a:lstStyle/>
           <a:p>
             <a:r>
-              <a:rPr lang="ko-KR" altLang="en-US" sz="3200" spc="-300" dirty="0" err="1" smtClean="0">
+              <a:rPr lang="ko-KR" altLang="en-US" sz="3200" spc="-300" dirty="0" err="1">
                 <a:latin typeface="한수원 한울림" panose="020B0600000101010101" pitchFamily="50" charset="-127"/>
                 <a:ea typeface="한수원 한울림" panose="020B0600000101010101" pitchFamily="50" charset="-127"/>
               </a:rPr>
               <a:t>기술설명</a:t>
             </a:r>
             <a:r>
-              <a:rPr lang="ko-KR" altLang="en-US" sz="3200" spc="-300" dirty="0" smtClean="0">
+              <a:rPr lang="ko-KR" altLang="en-US" sz="3200" spc="-300" dirty="0">
                 <a:latin typeface="한수원 한울림" panose="020B0600000101010101" pitchFamily="50" charset="-127"/>
                 <a:ea typeface="한수원 한울림" panose="020B0600000101010101" pitchFamily="50" charset="-127"/>
               </a:rPr>
               <a:t> </a:t>
             </a:r>
             <a:r>
-              <a:rPr lang="en-US" altLang="ko-KR" sz="3200" spc="-300" dirty="0" smtClean="0">
+              <a:rPr lang="en-US" altLang="ko-KR" sz="3200" spc="-300" dirty="0">
                 <a:latin typeface="한수원 한울림" panose="020B0600000101010101" pitchFamily="50" charset="-127"/>
                 <a:ea typeface="한수원 한울림" panose="020B0600000101010101" pitchFamily="50" charset="-127"/>
               </a:rPr>
               <a:t>– </a:t>
             </a:r>
             <a:r>
-              <a:rPr lang="ko-KR" altLang="en-US" sz="3200" spc="-300" dirty="0" smtClean="0">
+              <a:rPr lang="ko-KR" altLang="en-US" sz="3200" spc="-300" dirty="0">
                 <a:latin typeface="한수원 한울림" panose="020B0600000101010101" pitchFamily="50" charset="-127"/>
                 <a:ea typeface="한수원 한울림" panose="020B0600000101010101" pitchFamily="50" charset="-127"/>
               </a:rPr>
               <a:t>고객센터</a:t>
             </a:r>
             <a:r>
-              <a:rPr lang="en-US" altLang="ko-KR" sz="3200" spc="-300" dirty="0" smtClean="0">
+              <a:rPr lang="en-US" altLang="ko-KR" sz="3200" spc="-300" dirty="0">
                 <a:latin typeface="한수원 한울림" panose="020B0600000101010101" pitchFamily="50" charset="-127"/>
                 <a:ea typeface="한수원 한울림" panose="020B0600000101010101" pitchFamily="50" charset="-127"/>
               </a:rPr>
@@ -5518,7 +5488,7 @@
           <a:lstStyle/>
           <a:p>
             <a:r>
-              <a:rPr lang="en-US" altLang="ko-KR" sz="1200" dirty="0" smtClean="0">
+              <a:rPr lang="en-US" altLang="ko-KR" sz="1200" dirty="0">
                 <a:latin typeface="한수원 한울림" panose="020B0600000101010101" pitchFamily="50" charset="-127"/>
                 <a:ea typeface="한수원 한울림" panose="020B0600000101010101" pitchFamily="50" charset="-127"/>
               </a:rPr>
@@ -5553,13 +5523,6 @@
       </p:transition>
     </mc:Fallback>
   </mc:AlternateContent>
-  <p:timing>
-    <p:tnLst>
-      <p:par>
-        <p:cTn id="1" dur="indefinite" restart="never" nodeType="tmRoot"/>
-      </p:par>
-    </p:tnLst>
-  </p:timing>
 </p:sld>
 </file>
 
@@ -5755,39 +5718,32 @@
           <a:lstStyle/>
           <a:p>
             <a:r>
-              <a:rPr lang="ko-KR" altLang="en-US" sz="3200" spc="-300" dirty="0" err="1" smtClean="0">
+              <a:rPr lang="ko-KR" altLang="en-US" sz="3200" spc="-300" dirty="0" err="1">
                 <a:latin typeface="한수원 한울림" panose="020B0600000101010101" pitchFamily="50" charset="-127"/>
                 <a:ea typeface="한수원 한울림" panose="020B0600000101010101" pitchFamily="50" charset="-127"/>
               </a:rPr>
               <a:t>기술설명</a:t>
             </a:r>
             <a:r>
-              <a:rPr lang="ko-KR" altLang="en-US" sz="3200" spc="-300" dirty="0" smtClean="0">
+              <a:rPr lang="ko-KR" altLang="en-US" sz="3200" spc="-300" dirty="0">
                 <a:latin typeface="한수원 한울림" panose="020B0600000101010101" pitchFamily="50" charset="-127"/>
                 <a:ea typeface="한수원 한울림" panose="020B0600000101010101" pitchFamily="50" charset="-127"/>
               </a:rPr>
               <a:t> </a:t>
             </a:r>
             <a:r>
-              <a:rPr lang="en-US" altLang="ko-KR" sz="3200" spc="-300" dirty="0" smtClean="0">
+              <a:rPr lang="en-US" altLang="ko-KR" sz="3200" spc="-300" dirty="0">
                 <a:latin typeface="한수원 한울림" panose="020B0600000101010101" pitchFamily="50" charset="-127"/>
                 <a:ea typeface="한수원 한울림" panose="020B0600000101010101" pitchFamily="50" charset="-127"/>
               </a:rPr>
               <a:t>- </a:t>
             </a:r>
             <a:r>
-              <a:rPr lang="ko-KR" altLang="en-US" sz="3200" spc="-300" dirty="0" err="1" smtClean="0">
+              <a:rPr lang="ko-KR" altLang="en-US" sz="3200" spc="-300" dirty="0" err="1">
                 <a:latin typeface="한수원 한울림" panose="020B0600000101010101" pitchFamily="50" charset="-127"/>
                 <a:ea typeface="한수원 한울림" panose="020B0600000101010101" pitchFamily="50" charset="-127"/>
               </a:rPr>
-              <a:t>마이</a:t>
-            </a:r>
-            <a:r>
-              <a:rPr lang="ko-KR" altLang="en-US" sz="3200" spc="-300" dirty="0" err="1" smtClean="0">
-                <a:latin typeface="한수원 한울림" panose="020B0600000101010101" pitchFamily="50" charset="-127"/>
-                <a:ea typeface="한수원 한울림" panose="020B0600000101010101" pitchFamily="50" charset="-127"/>
-              </a:rPr>
-              <a:t>페이지</a:t>
+              <a:t>마이페이지</a:t>
             </a:r>
             <a:endParaRPr lang="ko-KR" altLang="en-US" sz="3200" spc="-300" dirty="0">
               <a:latin typeface="한수원 한울림" panose="020B0600000101010101" pitchFamily="50" charset="-127"/>
@@ -5825,7 +5781,7 @@
           <a:lstStyle/>
           <a:p>
             <a:r>
-              <a:rPr lang="en-US" altLang="ko-KR" sz="1200" dirty="0" smtClean="0">
+              <a:rPr lang="en-US" altLang="ko-KR" sz="1200" dirty="0">
                 <a:latin typeface="한수원 한울림" panose="020B0600000101010101" pitchFamily="50" charset="-127"/>
                 <a:ea typeface="한수원 한울림" panose="020B0600000101010101" pitchFamily="50" charset="-127"/>
               </a:rPr>
@@ -5860,13 +5816,6 @@
       </p:transition>
     </mc:Fallback>
   </mc:AlternateContent>
-  <p:timing>
-    <p:tnLst>
-      <p:par>
-        <p:cTn id="1" dur="indefinite" restart="never" nodeType="tmRoot"/>
-      </p:par>
-    </p:tnLst>
-  </p:timing>
 </p:sld>
 </file>
 
@@ -6006,7 +5955,7 @@
           <a:p>
             <a:pPr algn="ctr"/>
             <a:r>
-              <a:rPr lang="ko-KR" altLang="en-US" sz="4400" b="1" dirty="0" smtClean="0">
+              <a:rPr lang="ko-KR" altLang="en-US" sz="4400" b="1" dirty="0">
                 <a:solidFill>
                   <a:schemeClr val="bg1"/>
                 </a:solidFill>
@@ -6015,13 +5964,6 @@
               </a:rPr>
               <a:t>프로젝트 후기</a:t>
             </a:r>
-            <a:endParaRPr lang="ko-KR" altLang="en-US" sz="4400" b="1" dirty="0">
-              <a:solidFill>
-                <a:schemeClr val="bg1"/>
-              </a:solidFill>
-              <a:latin typeface="한수원 한울림" panose="020B0600000101010101" pitchFamily="50" charset="-127"/>
-              <a:ea typeface="한수원 한울림" panose="020B0600000101010101" pitchFamily="50" charset="-127"/>
-            </a:endParaRPr>
           </a:p>
         </p:txBody>
       </p:sp>
@@ -6249,7 +6191,7 @@
           <a:lstStyle/>
           <a:p>
             <a:r>
-              <a:rPr lang="en-US" altLang="ko-KR" dirty="0" smtClean="0">
+              <a:rPr lang="en-US" altLang="ko-KR" dirty="0">
                 <a:solidFill>
                   <a:schemeClr val="tx1">
                     <a:lumMod val="75000"/>
@@ -6296,13 +6238,6 @@
       </p:transition>
     </mc:Fallback>
   </mc:AlternateContent>
-  <p:timing>
-    <p:tnLst>
-      <p:par>
-        <p:cTn id="1" dur="indefinite" restart="never" nodeType="tmRoot"/>
-      </p:par>
-    </p:tnLst>
-  </p:timing>
 </p:sld>
 </file>
 
@@ -6498,7 +6433,7 @@
           <a:lstStyle/>
           <a:p>
             <a:r>
-              <a:rPr lang="ko-KR" altLang="en-US" sz="3200" spc="-300" dirty="0" err="1" smtClean="0">
+              <a:rPr lang="ko-KR" altLang="en-US" sz="3200" spc="-300" dirty="0" err="1">
                 <a:latin typeface="한수원 한울림" panose="020B0600000101010101" pitchFamily="50" charset="-127"/>
                 <a:ea typeface="한수원 한울림" panose="020B0600000101010101" pitchFamily="50" charset="-127"/>
               </a:rPr>
@@ -6544,21 +6479,7 @@
                 <a:latin typeface="한수원 한울림" panose="020B0600000101010101" pitchFamily="50" charset="-127"/>
                 <a:ea typeface="한수원 한울림" panose="020B0600000101010101" pitchFamily="50" charset="-127"/>
               </a:rPr>
-              <a:t>3</a:t>
-            </a:r>
-            <a:r>
-              <a:rPr lang="en-US" altLang="ko-KR" sz="1200" dirty="0" smtClean="0">
-                <a:latin typeface="한수원 한울림" panose="020B0600000101010101" pitchFamily="50" charset="-127"/>
-                <a:ea typeface="한수원 한울림" panose="020B0600000101010101" pitchFamily="50" charset="-127"/>
-              </a:rPr>
-              <a:t>-1</a:t>
-            </a:r>
-            <a:r>
-              <a:rPr lang="en-US" altLang="ko-KR" sz="1200" dirty="0" smtClean="0">
-                <a:latin typeface="한수원 한울림" panose="020B0600000101010101" pitchFamily="50" charset="-127"/>
-                <a:ea typeface="한수원 한울림" panose="020B0600000101010101" pitchFamily="50" charset="-127"/>
-              </a:rPr>
-              <a:t>.</a:t>
+              <a:t>3-1.</a:t>
             </a:r>
             <a:endParaRPr lang="ko-KR" altLang="en-US" sz="1200" dirty="0">
               <a:latin typeface="한수원 한울림" panose="020B0600000101010101" pitchFamily="50" charset="-127"/>
@@ -6589,13 +6510,6 @@
       </p:transition>
     </mc:Fallback>
   </mc:AlternateContent>
-  <p:timing>
-    <p:tnLst>
-      <p:par>
-        <p:cTn id="1" dur="indefinite" restart="never" nodeType="tmRoot"/>
-      </p:par>
-    </p:tnLst>
-  </p:timing>
 </p:sld>
 </file>
 
@@ -6694,7 +6608,7 @@
           <a:lstStyle/>
           <a:p>
             <a:r>
-              <a:rPr lang="en-US" altLang="ko-KR" sz="9600" b="1" spc="-300" dirty="0" smtClean="0">
+              <a:rPr lang="en-US" altLang="ko-KR" sz="9600" b="1" spc="-300" dirty="0">
                 <a:solidFill>
                   <a:srgbClr val="151515"/>
                 </a:solidFill>
@@ -6749,13 +6663,6 @@
       </p:transition>
     </mc:Fallback>
   </mc:AlternateContent>
-  <p:timing>
-    <p:tnLst>
-      <p:par>
-        <p:cTn id="1" dur="indefinite" restart="never" nodeType="tmRoot"/>
-      </p:par>
-    </p:tnLst>
-  </p:timing>
 </p:sld>
 </file>
 
@@ -6833,7 +6740,7 @@
         </p:nvSpPr>
         <p:spPr>
           <a:xfrm>
-            <a:off x="7111631" y="3003620"/>
+            <a:off x="7156455" y="2921168"/>
             <a:ext cx="3978974" cy="1015663"/>
           </a:xfrm>
           <a:prstGeom prst="rect">
@@ -6856,7 +6763,7 @@
           <a:p>
             <a:pPr algn="ctr"/>
             <a:r>
-              <a:rPr lang="en-US" altLang="ko-KR" sz="6000" dirty="0" smtClean="0">
+              <a:rPr lang="en-US" altLang="ko-KR" sz="6000" dirty="0">
                 <a:solidFill>
                   <a:schemeClr val="bg1"/>
                 </a:solidFill>
@@ -6897,13 +6804,6 @@
       </p:transition>
     </mc:Fallback>
   </mc:AlternateContent>
-  <p:timing>
-    <p:tnLst>
-      <p:par>
-        <p:cTn id="1" dur="indefinite" restart="never" nodeType="tmRoot"/>
-      </p:par>
-    </p:tnLst>
-  </p:timing>
 </p:sld>
 </file>
 
@@ -7154,7 +7054,7 @@
         </p:nvSpPr>
         <p:spPr>
           <a:xfrm>
-            <a:off x="1333009" y="1854450"/>
+            <a:off x="1289174" y="1986480"/>
             <a:ext cx="380232" cy="707886"/>
           </a:xfrm>
           <a:prstGeom prst="rect">
@@ -7286,8 +7186,8 @@
         </p:nvSpPr>
         <p:spPr>
           <a:xfrm>
-            <a:off x="1238431" y="5038373"/>
-            <a:ext cx="476412" cy="707886"/>
+            <a:off x="1282266" y="5033354"/>
+            <a:ext cx="387140" cy="717059"/>
           </a:xfrm>
           <a:prstGeom prst="rect">
             <a:avLst/>
@@ -7295,7 +7195,7 @@
           <a:noFill/>
         </p:spPr>
         <p:txBody>
-          <a:bodyPr wrap="none" rtlCol="0">
+          <a:bodyPr wrap="square" rtlCol="0">
             <a:spAutoFit/>
           </a:bodyPr>
           <a:lstStyle/>
@@ -7361,7 +7261,7 @@
           <a:lstStyle/>
           <a:p>
             <a:r>
-              <a:rPr lang="ko-KR" altLang="en-US" b="1" dirty="0" smtClean="0">
+              <a:rPr lang="ko-KR" altLang="en-US" b="1" dirty="0">
                 <a:effectLst>
                   <a:outerShdw blurRad="38100" dist="38100" dir="2700000" algn="tl">
                     <a:srgbClr val="000000">
@@ -7374,17 +7274,6 @@
               </a:rPr>
               <a:t>프로젝트개요</a:t>
             </a:r>
-            <a:endParaRPr lang="ko-KR" altLang="en-US" b="1" dirty="0">
-              <a:effectLst>
-                <a:outerShdw blurRad="38100" dist="38100" dir="2700000" algn="tl">
-                  <a:srgbClr val="000000">
-                    <a:alpha val="43137"/>
-                  </a:srgbClr>
-                </a:outerShdw>
-              </a:effectLst>
-              <a:latin typeface="한수원 한울림" panose="020B0600000101010101" pitchFamily="50" charset="-127"/>
-              <a:ea typeface="한수원 한울림" panose="020B0600000101010101" pitchFamily="50" charset="-127"/>
-            </a:endParaRPr>
           </a:p>
         </p:txBody>
       </p:sp>
@@ -7411,7 +7300,7 @@
           <a:lstStyle/>
           <a:p>
             <a:r>
-              <a:rPr lang="ko-KR" altLang="en-US" b="1" dirty="0" smtClean="0">
+              <a:rPr lang="ko-KR" altLang="en-US" b="1" dirty="0">
                 <a:effectLst>
                   <a:outerShdw blurRad="38100" dist="38100" dir="2700000" algn="tl">
                     <a:srgbClr val="000000">
@@ -7424,17 +7313,6 @@
               </a:rPr>
               <a:t>프로젝트상세</a:t>
             </a:r>
-            <a:endParaRPr lang="ko-KR" altLang="en-US" b="1" dirty="0">
-              <a:effectLst>
-                <a:outerShdw blurRad="38100" dist="38100" dir="2700000" algn="tl">
-                  <a:srgbClr val="000000">
-                    <a:alpha val="43137"/>
-                  </a:srgbClr>
-                </a:outerShdw>
-              </a:effectLst>
-              <a:latin typeface="한수원 한울림" panose="020B0600000101010101" pitchFamily="50" charset="-127"/>
-              <a:ea typeface="한수원 한울림" panose="020B0600000101010101" pitchFamily="50" charset="-127"/>
-            </a:endParaRPr>
           </a:p>
         </p:txBody>
       </p:sp>
@@ -7461,7 +7339,7 @@
           <a:lstStyle/>
           <a:p>
             <a:r>
-              <a:rPr lang="ko-KR" altLang="en-US" b="1" dirty="0" smtClean="0">
+              <a:rPr lang="ko-KR" altLang="en-US" b="1" dirty="0">
                 <a:effectLst>
                   <a:outerShdw blurRad="38100" dist="38100" dir="2700000" algn="tl">
                     <a:srgbClr val="000000">
@@ -7474,17 +7352,6 @@
               </a:rPr>
               <a:t>프로젝트후기</a:t>
             </a:r>
-            <a:endParaRPr lang="ko-KR" altLang="en-US" b="1" dirty="0">
-              <a:effectLst>
-                <a:outerShdw blurRad="38100" dist="38100" dir="2700000" algn="tl">
-                  <a:srgbClr val="000000">
-                    <a:alpha val="43137"/>
-                  </a:srgbClr>
-                </a:outerShdw>
-              </a:effectLst>
-              <a:latin typeface="한수원 한울림" panose="020B0600000101010101" pitchFamily="50" charset="-127"/>
-              <a:ea typeface="한수원 한울림" panose="020B0600000101010101" pitchFamily="50" charset="-127"/>
-            </a:endParaRPr>
           </a:p>
         </p:txBody>
       </p:sp>
@@ -7511,59 +7378,118 @@
           <a:lstStyle/>
           <a:p>
             <a:r>
-              <a:rPr lang="en-US" altLang="ko-KR" dirty="0" smtClean="0">
+              <a:rPr lang="en-US" altLang="ko-KR" dirty="0">
                 <a:latin typeface="한수원 한울림" panose="020B0600000101010101" pitchFamily="50" charset="-127"/>
                 <a:ea typeface="한수원 한울림" panose="020B0600000101010101" pitchFamily="50" charset="-127"/>
               </a:rPr>
               <a:t>1-1. </a:t>
             </a:r>
             <a:r>
-              <a:rPr lang="ko-KR" altLang="en-US" dirty="0" err="1" smtClean="0">
+              <a:rPr lang="ko-KR" altLang="en-US" dirty="0" err="1">
                 <a:latin typeface="한수원 한울림" panose="020B0600000101010101" pitchFamily="50" charset="-127"/>
                 <a:ea typeface="한수원 한울림" panose="020B0600000101010101" pitchFamily="50" charset="-127"/>
               </a:rPr>
               <a:t>개발동기</a:t>
             </a:r>
-            <a:endParaRPr lang="en-US" altLang="ko-KR" dirty="0" smtClean="0">
+            <a:endParaRPr lang="en-US" altLang="ko-KR" dirty="0">
               <a:latin typeface="한수원 한울림" panose="020B0600000101010101" pitchFamily="50" charset="-127"/>
               <a:ea typeface="한수원 한울림" panose="020B0600000101010101" pitchFamily="50" charset="-127"/>
             </a:endParaRPr>
           </a:p>
           <a:p>
             <a:r>
-              <a:rPr lang="en-US" altLang="ko-KR" dirty="0" smtClean="0">
+              <a:rPr lang="en-US" altLang="ko-KR" dirty="0">
                 <a:latin typeface="한수원 한울림" panose="020B0600000101010101" pitchFamily="50" charset="-127"/>
                 <a:ea typeface="한수원 한울림" panose="020B0600000101010101" pitchFamily="50" charset="-127"/>
               </a:rPr>
               <a:t>1-2. </a:t>
             </a:r>
             <a:r>
-              <a:rPr lang="ko-KR" altLang="en-US" dirty="0" err="1" smtClean="0">
+              <a:rPr lang="ko-KR" altLang="en-US" dirty="0" err="1">
                 <a:latin typeface="한수원 한울림" panose="020B0600000101010101" pitchFamily="50" charset="-127"/>
                 <a:ea typeface="한수원 한울림" panose="020B0600000101010101" pitchFamily="50" charset="-127"/>
               </a:rPr>
               <a:t>개발일정</a:t>
             </a:r>
-            <a:endParaRPr lang="en-US" altLang="ko-KR" dirty="0" smtClean="0">
+            <a:endParaRPr lang="en-US" altLang="ko-KR" dirty="0">
               <a:latin typeface="한수원 한울림" panose="020B0600000101010101" pitchFamily="50" charset="-127"/>
               <a:ea typeface="한수원 한울림" panose="020B0600000101010101" pitchFamily="50" charset="-127"/>
             </a:endParaRPr>
           </a:p>
           <a:p>
             <a:r>
-              <a:rPr lang="en-US" altLang="ko-KR" dirty="0" smtClean="0">
+              <a:rPr lang="en-US" altLang="ko-KR" dirty="0">
                 <a:latin typeface="한수원 한울림" panose="020B0600000101010101" pitchFamily="50" charset="-127"/>
                 <a:ea typeface="한수원 한울림" panose="020B0600000101010101" pitchFamily="50" charset="-127"/>
               </a:rPr>
               <a:t>1-3. </a:t>
             </a:r>
             <a:r>
-              <a:rPr lang="ko-KR" altLang="en-US" dirty="0" smtClean="0">
+              <a:rPr lang="ko-KR" altLang="en-US" dirty="0">
                 <a:latin typeface="한수원 한울림" panose="020B0600000101010101" pitchFamily="50" charset="-127"/>
                 <a:ea typeface="한수원 한울림" panose="020B0600000101010101" pitchFamily="50" charset="-127"/>
               </a:rPr>
               <a:t>개발환경</a:t>
             </a:r>
+          </a:p>
+        </p:txBody>
+      </p:sp>
+      <p:sp>
+        <p:nvSpPr>
+          <p:cNvPr id="34" name="TextBox 33"/>
+          <p:cNvSpPr txBox="1"/>
+          <p:nvPr/>
+        </p:nvSpPr>
+        <p:spPr>
+          <a:xfrm>
+            <a:off x="1726065" y="4054845"/>
+            <a:ext cx="2650718" cy="646331"/>
+          </a:xfrm>
+          <a:prstGeom prst="rect">
+            <a:avLst/>
+          </a:prstGeom>
+          <a:noFill/>
+        </p:spPr>
+        <p:txBody>
+          <a:bodyPr wrap="square" rtlCol="0">
+            <a:spAutoFit/>
+          </a:bodyPr>
+          <a:lstStyle/>
+          <a:p>
+            <a:r>
+              <a:rPr lang="en-US" altLang="ko-KR" dirty="0">
+                <a:latin typeface="한수원 한울림" panose="020B0600000101010101" pitchFamily="50" charset="-127"/>
+                <a:ea typeface="한수원 한울림" panose="020B0600000101010101" pitchFamily="50" charset="-127"/>
+              </a:rPr>
+              <a:t>2-1. </a:t>
+            </a:r>
+            <a:r>
+              <a:rPr lang="ko-KR" altLang="en-US" dirty="0">
+                <a:latin typeface="한수원 한울림" panose="020B0600000101010101" pitchFamily="50" charset="-127"/>
+                <a:ea typeface="한수원 한울림" panose="020B0600000101010101" pitchFamily="50" charset="-127"/>
+              </a:rPr>
+              <a:t>구조도</a:t>
+            </a:r>
+            <a:endParaRPr lang="en-US" altLang="ko-KR" dirty="0">
+              <a:latin typeface="한수원 한울림" panose="020B0600000101010101" pitchFamily="50" charset="-127"/>
+              <a:ea typeface="한수원 한울림" panose="020B0600000101010101" pitchFamily="50" charset="-127"/>
+            </a:endParaRPr>
+          </a:p>
+          <a:p>
+            <a:r>
+              <a:rPr lang="en-US" altLang="ko-KR" dirty="0">
+                <a:latin typeface="한수원 한울림" panose="020B0600000101010101" pitchFamily="50" charset="-127"/>
+                <a:ea typeface="한수원 한울림" panose="020B0600000101010101" pitchFamily="50" charset="-127"/>
+              </a:rPr>
+              <a:t>2-2. </a:t>
+            </a:r>
+            <a:r>
+              <a:rPr lang="ko-KR" altLang="en-US" dirty="0" err="1">
+                <a:latin typeface="한수원 한울림" panose="020B0600000101010101" pitchFamily="50" charset="-127"/>
+                <a:ea typeface="한수원 한울림" panose="020B0600000101010101" pitchFamily="50" charset="-127"/>
+              </a:rPr>
+              <a:t>기술설명</a:t>
+            </a:r>
             <a:endParaRPr lang="ko-KR" altLang="en-US" dirty="0">
               <a:latin typeface="한수원 한울림" panose="020B0600000101010101" pitchFamily="50" charset="-127"/>
               <a:ea typeface="한수원 한울림" panose="020B0600000101010101" pitchFamily="50" charset="-127"/>
@@ -7573,14 +7499,14 @@
       </p:sp>
       <p:sp>
         <p:nvSpPr>
-          <p:cNvPr id="34" name="TextBox 33"/>
+          <p:cNvPr id="35" name="TextBox 34"/>
           <p:cNvSpPr txBox="1"/>
           <p:nvPr/>
         </p:nvSpPr>
         <p:spPr>
           <a:xfrm>
-            <a:off x="1726065" y="4054845"/>
-            <a:ext cx="2650718" cy="646331"/>
+            <a:off x="1726065" y="5560729"/>
+            <a:ext cx="2650718" cy="923330"/>
           </a:xfrm>
           <a:prstGeom prst="rect">
             <a:avLst/>
@@ -7594,89 +7520,26 @@
           <a:lstStyle/>
           <a:p>
             <a:r>
-              <a:rPr lang="en-US" altLang="ko-KR" dirty="0" smtClean="0">
-                <a:latin typeface="한수원 한울림" panose="020B0600000101010101" pitchFamily="50" charset="-127"/>
-                <a:ea typeface="한수원 한울림" panose="020B0600000101010101" pitchFamily="50" charset="-127"/>
-              </a:rPr>
-              <a:t>2-1. </a:t>
-            </a:r>
-            <a:r>
-              <a:rPr lang="ko-KR" altLang="en-US" dirty="0" smtClean="0">
-                <a:latin typeface="한수원 한울림" panose="020B0600000101010101" pitchFamily="50" charset="-127"/>
-                <a:ea typeface="한수원 한울림" panose="020B0600000101010101" pitchFamily="50" charset="-127"/>
-              </a:rPr>
-              <a:t>구조도</a:t>
-            </a:r>
-            <a:endParaRPr lang="en-US" altLang="ko-KR" dirty="0" smtClean="0">
-              <a:latin typeface="한수원 한울림" panose="020B0600000101010101" pitchFamily="50" charset="-127"/>
-              <a:ea typeface="한수원 한울림" panose="020B0600000101010101" pitchFamily="50" charset="-127"/>
-            </a:endParaRPr>
-          </a:p>
-          <a:p>
-            <a:r>
-              <a:rPr lang="en-US" altLang="ko-KR" dirty="0" smtClean="0">
-                <a:latin typeface="한수원 한울림" panose="020B0600000101010101" pitchFamily="50" charset="-127"/>
-                <a:ea typeface="한수원 한울림" panose="020B0600000101010101" pitchFamily="50" charset="-127"/>
-              </a:rPr>
-              <a:t>2-2. </a:t>
-            </a:r>
-            <a:r>
-              <a:rPr lang="ko-KR" altLang="en-US" dirty="0" err="1" smtClean="0">
-                <a:latin typeface="한수원 한울림" panose="020B0600000101010101" pitchFamily="50" charset="-127"/>
-                <a:ea typeface="한수원 한울림" panose="020B0600000101010101" pitchFamily="50" charset="-127"/>
-              </a:rPr>
-              <a:t>기술설명</a:t>
-            </a:r>
-            <a:endParaRPr lang="ko-KR" altLang="en-US" dirty="0">
-              <a:latin typeface="한수원 한울림" panose="020B0600000101010101" pitchFamily="50" charset="-127"/>
-              <a:ea typeface="한수원 한울림" panose="020B0600000101010101" pitchFamily="50" charset="-127"/>
-            </a:endParaRPr>
-          </a:p>
-        </p:txBody>
-      </p:sp>
-      <p:sp>
-        <p:nvSpPr>
-          <p:cNvPr id="35" name="TextBox 34"/>
-          <p:cNvSpPr txBox="1"/>
-          <p:nvPr/>
-        </p:nvSpPr>
-        <p:spPr>
-          <a:xfrm>
-            <a:off x="1726065" y="5560729"/>
-            <a:ext cx="2650718" cy="923330"/>
-          </a:xfrm>
-          <a:prstGeom prst="rect">
-            <a:avLst/>
-          </a:prstGeom>
-          <a:noFill/>
-        </p:spPr>
-        <p:txBody>
-          <a:bodyPr wrap="square" rtlCol="0">
-            <a:spAutoFit/>
-          </a:bodyPr>
-          <a:lstStyle/>
-          <a:p>
-            <a:r>
-              <a:rPr lang="en-US" altLang="ko-KR" dirty="0" smtClean="0">
+              <a:rPr lang="en-US" altLang="ko-KR" dirty="0">
                 <a:latin typeface="한수원 한울림" panose="020B0600000101010101" pitchFamily="50" charset="-127"/>
                 <a:ea typeface="한수원 한울림" panose="020B0600000101010101" pitchFamily="50" charset="-127"/>
               </a:rPr>
               <a:t>3-1. </a:t>
             </a:r>
             <a:r>
-              <a:rPr lang="ko-KR" altLang="en-US" dirty="0" err="1" smtClean="0">
+              <a:rPr lang="ko-KR" altLang="en-US" dirty="0" err="1">
                 <a:latin typeface="한수원 한울림" panose="020B0600000101010101" pitchFamily="50" charset="-127"/>
                 <a:ea typeface="한수원 한울림" panose="020B0600000101010101" pitchFamily="50" charset="-127"/>
               </a:rPr>
               <a:t>한줄소감</a:t>
             </a:r>
-            <a:endParaRPr lang="en-US" altLang="ko-KR" dirty="0" smtClean="0">
+            <a:endParaRPr lang="en-US" altLang="ko-KR" dirty="0">
               <a:latin typeface="한수원 한울림" panose="020B0600000101010101" pitchFamily="50" charset="-127"/>
               <a:ea typeface="한수원 한울림" panose="020B0600000101010101" pitchFamily="50" charset="-127"/>
             </a:endParaRPr>
           </a:p>
           <a:p>
-            <a:endParaRPr lang="en-US" altLang="ko-KR" dirty="0" smtClean="0">
+            <a:endParaRPr lang="en-US" altLang="ko-KR" dirty="0">
               <a:latin typeface="한수원 한울림" panose="020B0600000101010101" pitchFamily="50" charset="-127"/>
               <a:ea typeface="한수원 한울림" panose="020B0600000101010101" pitchFamily="50" charset="-127"/>
             </a:endParaRPr>
@@ -7714,13 +7577,6 @@
       </p:transition>
     </mc:Fallback>
   </mc:AlternateContent>
-  <p:timing>
-    <p:tnLst>
-      <p:par>
-        <p:cTn id="1" dur="indefinite" restart="never" nodeType="tmRoot"/>
-      </p:par>
-    </p:tnLst>
-  </p:timing>
 </p:sld>
 </file>
 
@@ -7860,7 +7716,7 @@
           <a:p>
             <a:pPr algn="ctr"/>
             <a:r>
-              <a:rPr lang="ko-KR" altLang="en-US" sz="4400" b="1" dirty="0" smtClean="0">
+              <a:rPr lang="ko-KR" altLang="en-US" sz="4400" b="1" dirty="0">
                 <a:solidFill>
                   <a:schemeClr val="bg1"/>
                 </a:solidFill>
@@ -7869,13 +7725,6 @@
               </a:rPr>
               <a:t>프로젝트 개요</a:t>
             </a:r>
-            <a:endParaRPr lang="ko-KR" altLang="en-US" sz="4400" b="1" dirty="0">
-              <a:solidFill>
-                <a:schemeClr val="bg1"/>
-              </a:solidFill>
-              <a:latin typeface="한수원 한울림" panose="020B0600000101010101" pitchFamily="50" charset="-127"/>
-              <a:ea typeface="한수원 한울림" panose="020B0600000101010101" pitchFamily="50" charset="-127"/>
-            </a:endParaRPr>
           </a:p>
         </p:txBody>
       </p:sp>
@@ -8103,7 +7952,7 @@
           <a:lstStyle/>
           <a:p>
             <a:r>
-              <a:rPr lang="en-US" altLang="ko-KR" dirty="0" smtClean="0">
+              <a:rPr lang="en-US" altLang="ko-KR" dirty="0">
                 <a:solidFill>
                   <a:schemeClr val="tx1">
                     <a:lumMod val="75000"/>
@@ -8150,13 +7999,6 @@
       </p:transition>
     </mc:Fallback>
   </mc:AlternateContent>
-  <p:timing>
-    <p:tnLst>
-      <p:par>
-        <p:cTn id="1" dur="indefinite" restart="never" nodeType="tmRoot"/>
-      </p:par>
-    </p:tnLst>
-  </p:timing>
 </p:sld>
 </file>
 
@@ -8263,7 +8105,7 @@
           <a:lstStyle/>
           <a:p>
             <a:r>
-              <a:rPr lang="ko-KR" altLang="en-US" sz="3200" spc="-300" dirty="0" err="1" smtClean="0">
+              <a:rPr lang="ko-KR" altLang="en-US" sz="3200" spc="-300" dirty="0" err="1">
                 <a:latin typeface="한수원 한울림" panose="020B0600000101010101" pitchFamily="50" charset="-127"/>
                 <a:ea typeface="한수원 한울림" panose="020B0600000101010101" pitchFamily="50" charset="-127"/>
               </a:rPr>
@@ -8397,7 +8239,7 @@
           <a:lstStyle/>
           <a:p>
             <a:r>
-              <a:rPr lang="en-US" altLang="ko-KR" sz="1200" dirty="0" smtClean="0">
+              <a:rPr lang="en-US" altLang="ko-KR" sz="1200" dirty="0">
                 <a:latin typeface="한수원 한울림" panose="020B0600000101010101" pitchFamily="50" charset="-127"/>
                 <a:ea typeface="한수원 한울림" panose="020B0600000101010101" pitchFamily="50" charset="-127"/>
               </a:rPr>
@@ -8440,27 +8282,13 @@
           <a:p>
             <a:pPr algn="ctr"/>
             <a:r>
-              <a:rPr lang="ko-KR" altLang="en-US" sz="1600" dirty="0" smtClean="0">
+              <a:rPr lang="ko-KR" altLang="en-US" sz="1600" dirty="0">
                 <a:latin typeface="한수원 한울림" panose="020B0600000101010101" pitchFamily="50" charset="-127"/>
                 <a:ea typeface="한수원 한울림" panose="020B0600000101010101" pitchFamily="50" charset="-127"/>
               </a:rPr>
-              <a:t>전국의 </a:t>
-            </a:r>
-            <a:r>
-              <a:rPr lang="ko-KR" altLang="en-US" sz="1600" dirty="0" err="1" smtClean="0">
-                <a:latin typeface="한수원 한울림" panose="020B0600000101010101" pitchFamily="50" charset="-127"/>
-                <a:ea typeface="한수원 한울림" panose="020B0600000101010101" pitchFamily="50" charset="-127"/>
-              </a:rPr>
-              <a:t>유명빵을</a:t>
-            </a:r>
-            <a:r>
-              <a:rPr lang="ko-KR" altLang="en-US" sz="1600" dirty="0" smtClean="0">
-                <a:latin typeface="한수원 한울림" panose="020B0600000101010101" pitchFamily="50" charset="-127"/>
-                <a:ea typeface="한수원 한울림" panose="020B0600000101010101" pitchFamily="50" charset="-127"/>
-              </a:rPr>
-              <a:t> 집에서도 </a:t>
-            </a:r>
-            <a:endParaRPr lang="en-US" altLang="ko-KR" sz="1600" dirty="0" smtClean="0">
+              <a:t>전국의 유명 빵을 집에서도 </a:t>
+            </a:r>
+            <a:endParaRPr lang="en-US" altLang="ko-KR" sz="1600" dirty="0">
               <a:latin typeface="한수원 한울림" panose="020B0600000101010101" pitchFamily="50" charset="-127"/>
               <a:ea typeface="한수원 한울림" panose="020B0600000101010101" pitchFamily="50" charset="-127"/>
             </a:endParaRPr>
@@ -8468,14 +8296,14 @@
           <a:p>
             <a:pPr algn="ctr"/>
             <a:r>
-              <a:rPr lang="ko-KR" altLang="en-US" sz="1600" dirty="0" smtClean="0">
+              <a:rPr lang="ko-KR" altLang="en-US" sz="1600" dirty="0">
                 <a:latin typeface="한수원 한울림" panose="020B0600000101010101" pitchFamily="50" charset="-127"/>
                 <a:ea typeface="한수원 한울림" panose="020B0600000101010101" pitchFamily="50" charset="-127"/>
               </a:rPr>
               <a:t>먹고 싶다 </a:t>
             </a:r>
             <a:r>
-              <a:rPr lang="en-US" altLang="ko-KR" sz="1600" dirty="0" smtClean="0">
+              <a:rPr lang="en-US" altLang="ko-KR" sz="1600" dirty="0">
                 <a:latin typeface="한수원 한울림" panose="020B0600000101010101" pitchFamily="50" charset="-127"/>
                 <a:ea typeface="한수원 한울림" panose="020B0600000101010101" pitchFamily="50" charset="-127"/>
               </a:rPr>
@@ -8518,14 +8346,14 @@
           <a:p>
             <a:pPr algn="ctr"/>
             <a:r>
-              <a:rPr lang="ko-KR" altLang="en-US" sz="1600" dirty="0" smtClean="0">
+              <a:rPr lang="ko-KR" altLang="en-US" sz="1600" dirty="0">
                 <a:latin typeface="한수원 한울림" panose="020B0600000101010101" pitchFamily="50" charset="-127"/>
                 <a:ea typeface="한수원 한울림" panose="020B0600000101010101" pitchFamily="50" charset="-127"/>
               </a:rPr>
               <a:t>내가 만들면 되잖아</a:t>
             </a:r>
             <a:r>
-              <a:rPr lang="en-US" altLang="ko-KR" sz="1600" dirty="0" smtClean="0">
+              <a:rPr lang="en-US" altLang="ko-KR" sz="1600" dirty="0">
                 <a:latin typeface="한수원 한울림" panose="020B0600000101010101" pitchFamily="50" charset="-127"/>
                 <a:ea typeface="한수원 한울림" panose="020B0600000101010101" pitchFamily="50" charset="-127"/>
               </a:rPr>
@@ -8659,21 +8487,14 @@
           <a:p>
             <a:pPr algn="ctr"/>
             <a:r>
-              <a:rPr lang="ko-KR" altLang="en-US" sz="1600" dirty="0" smtClean="0">
+              <a:rPr lang="ko-KR" altLang="en-US" sz="1600" dirty="0">
                 <a:latin typeface="한수원 한울림" panose="020B0600000101010101" pitchFamily="50" charset="-127"/>
                 <a:ea typeface="한수원 한울림" panose="020B0600000101010101" pitchFamily="50" charset="-127"/>
               </a:rPr>
-              <a:t>근데 </a:t>
-            </a:r>
-            <a:r>
-              <a:rPr lang="ko-KR" altLang="en-US" sz="1600" dirty="0" smtClean="0">
-                <a:latin typeface="한수원 한울림" panose="020B0600000101010101" pitchFamily="50" charset="-127"/>
-                <a:ea typeface="한수원 한울림" panose="020B0600000101010101" pitchFamily="50" charset="-127"/>
-              </a:rPr>
-              <a:t>그런 서비스가 없는데</a:t>
-            </a:r>
-            <a:r>
-              <a:rPr lang="en-US" altLang="ko-KR" sz="1600" dirty="0" smtClean="0">
+              <a:t>근데 그런 서비스가 없는데</a:t>
+            </a:r>
+            <a:r>
+              <a:rPr lang="en-US" altLang="ko-KR" sz="1600" dirty="0">
                 <a:latin typeface="한수원 한울림" panose="020B0600000101010101" pitchFamily="50" charset="-127"/>
                 <a:ea typeface="한수원 한울림" panose="020B0600000101010101" pitchFamily="50" charset="-127"/>
               </a:rPr>
@@ -8738,13 +8559,6 @@
       </p:transition>
     </mc:Fallback>
   </mc:AlternateContent>
-  <p:timing>
-    <p:tnLst>
-      <p:par>
-        <p:cTn id="1" dur="indefinite" restart="never" nodeType="tmRoot"/>
-      </p:par>
-    </p:tnLst>
-  </p:timing>
 </p:sld>
 </file>
 
@@ -8943,7 +8757,7 @@
           <a:lstStyle/>
           <a:p>
             <a:r>
-              <a:rPr lang="en-US" altLang="ko-KR" sz="1200" dirty="0" smtClean="0">
+              <a:rPr lang="en-US" altLang="ko-KR" sz="1200" dirty="0">
                 <a:latin typeface="한수원 한울림" panose="020B0600000101010101" pitchFamily="50" charset="-127"/>
                 <a:ea typeface="한수원 한울림" panose="020B0600000101010101" pitchFamily="50" charset="-127"/>
               </a:rPr>
@@ -8985,7 +8799,7 @@
           <a:lstStyle/>
           <a:p>
             <a:r>
-              <a:rPr lang="ko-KR" altLang="en-US" sz="3200" spc="-300" dirty="0" err="1" smtClean="0">
+              <a:rPr lang="ko-KR" altLang="en-US" sz="3200" spc="-300" dirty="0" err="1">
                 <a:latin typeface="한수원 한울림" panose="020B0600000101010101" pitchFamily="50" charset="-127"/>
                 <a:ea typeface="한수원 한울림" panose="020B0600000101010101" pitchFamily="50" charset="-127"/>
               </a:rPr>
@@ -9496,7 +9310,7 @@
           <a:lstStyle/>
           <a:p>
             <a:r>
-              <a:rPr lang="en-US" altLang="ko-KR" sz="2000" b="1" dirty="0" smtClean="0">
+              <a:rPr lang="en-US" altLang="ko-KR" sz="2000" b="1" dirty="0">
                 <a:latin typeface="한수원 한울림" panose="020B0600000101010101" pitchFamily="50" charset="-127"/>
                 <a:ea typeface="한수원 한울림" panose="020B0600000101010101" pitchFamily="50" charset="-127"/>
               </a:rPr>
@@ -9539,13 +9353,13 @@
           <a:p>
             <a:pPr algn="ctr"/>
             <a:r>
-              <a:rPr lang="ko-KR" altLang="en-US" sz="2000" dirty="0" smtClean="0">
+              <a:rPr lang="ko-KR" altLang="en-US" sz="2000" dirty="0">
                 <a:latin typeface="한수원 한울림" panose="020B0600000101010101" pitchFamily="50" charset="-127"/>
                 <a:ea typeface="한수원 한울림" panose="020B0600000101010101" pitchFamily="50" charset="-127"/>
               </a:rPr>
               <a:t>주제 선정 및 </a:t>
             </a:r>
-            <a:endParaRPr lang="en-US" altLang="ko-KR" sz="2000" dirty="0" smtClean="0">
+            <a:endParaRPr lang="en-US" altLang="ko-KR" sz="2000" dirty="0">
               <a:latin typeface="한수원 한울림" panose="020B0600000101010101" pitchFamily="50" charset="-127"/>
               <a:ea typeface="한수원 한울림" panose="020B0600000101010101" pitchFamily="50" charset="-127"/>
             </a:endParaRPr>
@@ -9553,16 +9367,12 @@
           <a:p>
             <a:pPr algn="ctr"/>
             <a:r>
-              <a:rPr lang="ko-KR" altLang="en-US" sz="2000" dirty="0" smtClean="0">
+              <a:rPr lang="ko-KR" altLang="en-US" sz="2000" dirty="0">
                 <a:latin typeface="한수원 한울림" panose="020B0600000101010101" pitchFamily="50" charset="-127"/>
                 <a:ea typeface="한수원 한울림" panose="020B0600000101010101" pitchFamily="50" charset="-127"/>
               </a:rPr>
               <a:t>개발 계획 수립</a:t>
             </a:r>
-            <a:endParaRPr lang="ko-KR" altLang="en-US" sz="2000" dirty="0">
-              <a:latin typeface="한수원 한울림" panose="020B0600000101010101" pitchFamily="50" charset="-127"/>
-              <a:ea typeface="한수원 한울림" panose="020B0600000101010101" pitchFamily="50" charset="-127"/>
-            </a:endParaRPr>
           </a:p>
         </p:txBody>
       </p:sp>
@@ -9595,7 +9405,7 @@
           <a:lstStyle/>
           <a:p>
             <a:r>
-              <a:rPr lang="en-US" altLang="ko-KR" sz="2000" b="1" dirty="0" smtClean="0">
+              <a:rPr lang="en-US" altLang="ko-KR" sz="2000" b="1" dirty="0">
                 <a:latin typeface="한수원 한울림" panose="020B0600000101010101" pitchFamily="50" charset="-127"/>
                 <a:ea typeface="한수원 한울림" panose="020B0600000101010101" pitchFamily="50" charset="-127"/>
               </a:rPr>
@@ -9638,20 +9448,13 @@
           <a:p>
             <a:pPr algn="ctr"/>
             <a:r>
-              <a:rPr lang="ko-KR" altLang="en-US" sz="2000" dirty="0" smtClean="0">
+              <a:rPr lang="ko-KR" altLang="en-US" sz="2000" dirty="0">
                 <a:latin typeface="한수원 한울림" panose="020B0600000101010101" pitchFamily="50" charset="-127"/>
                 <a:ea typeface="한수원 한울림" panose="020B0600000101010101" pitchFamily="50" charset="-127"/>
               </a:rPr>
-              <a:t>홈페이지 초안 </a:t>
-            </a:r>
-            <a:r>
-              <a:rPr lang="ko-KR" altLang="en-US" sz="2000" dirty="0" smtClean="0">
-                <a:latin typeface="한수원 한울림" panose="020B0600000101010101" pitchFamily="50" charset="-127"/>
-                <a:ea typeface="한수원 한울림" panose="020B0600000101010101" pitchFamily="50" charset="-127"/>
-              </a:rPr>
-              <a:t>작성</a:t>
-            </a:r>
-            <a:endParaRPr lang="en-US" altLang="ko-KR" sz="2000" dirty="0" smtClean="0">
+              <a:t>홈페이지 초안 작성</a:t>
+            </a:r>
+            <a:endParaRPr lang="en-US" altLang="ko-KR" sz="2000" dirty="0">
               <a:latin typeface="한수원 한울림" panose="020B0600000101010101" pitchFamily="50" charset="-127"/>
               <a:ea typeface="한수원 한울림" panose="020B0600000101010101" pitchFamily="50" charset="-127"/>
             </a:endParaRPr>
@@ -9659,16 +9462,12 @@
           <a:p>
             <a:pPr algn="ctr"/>
             <a:r>
-              <a:rPr lang="ko-KR" altLang="en-US" sz="2000" dirty="0" smtClean="0">
+              <a:rPr lang="ko-KR" altLang="en-US" sz="2000" dirty="0">
                 <a:latin typeface="한수원 한울림" panose="020B0600000101010101" pitchFamily="50" charset="-127"/>
                 <a:ea typeface="한수원 한울림" panose="020B0600000101010101" pitchFamily="50" charset="-127"/>
               </a:rPr>
               <a:t>및 제출</a:t>
             </a:r>
-            <a:endParaRPr lang="ko-KR" altLang="en-US" sz="2000" dirty="0">
-              <a:latin typeface="한수원 한울림" panose="020B0600000101010101" pitchFamily="50" charset="-127"/>
-              <a:ea typeface="한수원 한울림" panose="020B0600000101010101" pitchFamily="50" charset="-127"/>
-            </a:endParaRPr>
           </a:p>
         </p:txBody>
       </p:sp>
@@ -9701,7 +9500,7 @@
           <a:lstStyle/>
           <a:p>
             <a:r>
-              <a:rPr lang="en-US" altLang="ko-KR" sz="2000" b="1" dirty="0" smtClean="0">
+              <a:rPr lang="en-US" altLang="ko-KR" sz="2000" b="1" dirty="0">
                 <a:latin typeface="한수원 한울림" panose="020B0600000101010101" pitchFamily="50" charset="-127"/>
                 <a:ea typeface="한수원 한울림" panose="020B0600000101010101" pitchFamily="50" charset="-127"/>
               </a:rPr>
@@ -9744,21 +9543,21 @@
           <a:p>
             <a:pPr algn="ctr"/>
             <a:r>
-              <a:rPr lang="en-US" altLang="ko-KR" sz="2000" dirty="0" smtClean="0">
+              <a:rPr lang="en-US" altLang="ko-KR" sz="2000" dirty="0">
                 <a:latin typeface="한수원 한울림" panose="020B0600000101010101" pitchFamily="50" charset="-127"/>
                 <a:ea typeface="한수원 한울림" panose="020B0600000101010101" pitchFamily="50" charset="-127"/>
               </a:rPr>
               <a:t>1</a:t>
             </a:r>
             <a:r>
-              <a:rPr lang="ko-KR" altLang="en-US" sz="2000" dirty="0" smtClean="0">
+              <a:rPr lang="ko-KR" altLang="en-US" sz="2000" dirty="0">
                 <a:latin typeface="한수원 한울림" panose="020B0600000101010101" pitchFamily="50" charset="-127"/>
                 <a:ea typeface="한수원 한울림" panose="020B0600000101010101" pitchFamily="50" charset="-127"/>
               </a:rPr>
               <a:t>차 개발 및 </a:t>
             </a:r>
             <a:r>
-              <a:rPr lang="en-US" altLang="ko-KR" sz="2000" dirty="0" smtClean="0">
+              <a:rPr lang="en-US" altLang="ko-KR" sz="2000" dirty="0">
                 <a:latin typeface="한수원 한울림" panose="020B0600000101010101" pitchFamily="50" charset="-127"/>
                 <a:ea typeface="한수원 한울림" panose="020B0600000101010101" pitchFamily="50" charset="-127"/>
               </a:rPr>
@@ -9803,7 +9602,7 @@
           <a:lstStyle/>
           <a:p>
             <a:r>
-              <a:rPr lang="en-US" altLang="ko-KR" sz="2000" b="1" dirty="0" smtClean="0">
+              <a:rPr lang="en-US" altLang="ko-KR" sz="2000" b="1" dirty="0">
                 <a:latin typeface="한수원 한울림" panose="020B0600000101010101" pitchFamily="50" charset="-127"/>
                 <a:ea typeface="한수원 한울림" panose="020B0600000101010101" pitchFamily="50" charset="-127"/>
               </a:rPr>
@@ -9846,23 +9645,19 @@
           <a:p>
             <a:pPr algn="ctr"/>
             <a:r>
-              <a:rPr lang="ko-KR" altLang="en-US" sz="2000" dirty="0" err="1" smtClean="0">
+              <a:rPr lang="en-US" altLang="ko-KR" sz="2000" dirty="0">
                 <a:latin typeface="한수원 한울림" panose="020B0600000101010101" pitchFamily="50" charset="-127"/>
                 <a:ea typeface="한수원 한울림" panose="020B0600000101010101" pitchFamily="50" charset="-127"/>
               </a:rPr>
-              <a:t>류팀장님</a:t>
-            </a:r>
-            <a:r>
-              <a:rPr lang="ko-KR" altLang="en-US" sz="2000" dirty="0" smtClean="0">
+              <a:t>1</a:t>
+            </a:r>
+            <a:r>
+              <a:rPr lang="ko-KR" altLang="en-US" sz="2000" dirty="0">
                 <a:latin typeface="한수원 한울림" panose="020B0600000101010101" pitchFamily="50" charset="-127"/>
                 <a:ea typeface="한수원 한울림" panose="020B0600000101010101" pitchFamily="50" charset="-127"/>
               </a:rPr>
-              <a:t> 발표</a:t>
-            </a:r>
-            <a:endParaRPr lang="ko-KR" altLang="en-US" sz="2000" dirty="0">
-              <a:latin typeface="한수원 한울림" panose="020B0600000101010101" pitchFamily="50" charset="-127"/>
-              <a:ea typeface="한수원 한울림" panose="020B0600000101010101" pitchFamily="50" charset="-127"/>
-            </a:endParaRPr>
+              <a:t>차 프로젝트 발표</a:t>
+            </a:r>
           </a:p>
         </p:txBody>
       </p:sp>
@@ -9895,7 +9690,7 @@
           <a:lstStyle/>
           <a:p>
             <a:r>
-              <a:rPr lang="en-US" altLang="ko-KR" sz="2000" b="1" dirty="0" smtClean="0">
+              <a:rPr lang="en-US" altLang="ko-KR" sz="2000" b="1" dirty="0">
                 <a:latin typeface="한수원 한울림" panose="020B0600000101010101" pitchFamily="50" charset="-127"/>
                 <a:ea typeface="한수원 한울림" panose="020B0600000101010101" pitchFamily="50" charset="-127"/>
               </a:rPr>
@@ -9938,14 +9733,14 @@
           <a:p>
             <a:pPr algn="ctr"/>
             <a:r>
-              <a:rPr lang="ko-KR" altLang="en-US" sz="2000" dirty="0" smtClean="0">
+              <a:rPr lang="ko-KR" altLang="en-US" sz="2000" dirty="0">
                 <a:latin typeface="한수원 한울림" panose="020B0600000101010101" pitchFamily="50" charset="-127"/>
                 <a:ea typeface="한수원 한울림" panose="020B0600000101010101" pitchFamily="50" charset="-127"/>
               </a:rPr>
               <a:t>검수  및 </a:t>
             </a:r>
             <a:r>
-              <a:rPr lang="ko-KR" altLang="en-US" sz="2000" dirty="0" err="1" smtClean="0">
+              <a:rPr lang="ko-KR" altLang="en-US" sz="2000" dirty="0" err="1">
                 <a:latin typeface="한수원 한울림" panose="020B0600000101010101" pitchFamily="50" charset="-127"/>
                 <a:ea typeface="한수원 한울림" panose="020B0600000101010101" pitchFamily="50" charset="-127"/>
               </a:rPr>
@@ -9980,13 +9775,6 @@
       </p:transition>
     </mc:Fallback>
   </mc:AlternateContent>
-  <p:timing>
-    <p:tnLst>
-      <p:par>
-        <p:cTn id="1" dur="indefinite" restart="never" nodeType="tmRoot"/>
-      </p:par>
-    </p:tnLst>
-  </p:timing>
 </p:sld>
 </file>
 
@@ -10093,16 +9881,12 @@
           <a:lstStyle/>
           <a:p>
             <a:r>
-              <a:rPr lang="ko-KR" altLang="en-US" sz="3200" spc="-300" dirty="0" smtClean="0">
+              <a:rPr lang="ko-KR" altLang="en-US" sz="3200" spc="-300" dirty="0">
                 <a:latin typeface="한수원 한울림" panose="020B0600000101010101" pitchFamily="50" charset="-127"/>
                 <a:ea typeface="한수원 한울림" panose="020B0600000101010101" pitchFamily="50" charset="-127"/>
               </a:rPr>
               <a:t>개발환경</a:t>
             </a:r>
-            <a:endParaRPr lang="ko-KR" altLang="en-US" sz="3200" spc="-300" dirty="0">
-              <a:latin typeface="한수원 한울림" panose="020B0600000101010101" pitchFamily="50" charset="-127"/>
-              <a:ea typeface="한수원 한울림" panose="020B0600000101010101" pitchFamily="50" charset="-127"/>
-            </a:endParaRPr>
           </a:p>
         </p:txBody>
       </p:sp>
@@ -10227,7 +10011,7 @@
           <a:lstStyle/>
           <a:p>
             <a:r>
-              <a:rPr lang="en-US" altLang="ko-KR" sz="1200" dirty="0" smtClean="0">
+              <a:rPr lang="en-US" altLang="ko-KR" sz="1200" dirty="0">
                 <a:latin typeface="한수원 한울림" panose="020B0600000101010101" pitchFamily="50" charset="-127"/>
                 <a:ea typeface="한수원 한울림" panose="020B0600000101010101" pitchFamily="50" charset="-127"/>
               </a:rPr>
@@ -10237,270 +10021,6 @@
               <a:latin typeface="한수원 한울림" panose="020B0600000101010101" pitchFamily="50" charset="-127"/>
               <a:ea typeface="한수원 한울림" panose="020B0600000101010101" pitchFamily="50" charset="-127"/>
             </a:endParaRPr>
-          </a:p>
-        </p:txBody>
-      </p:sp>
-      <p:sp>
-        <p:nvSpPr>
-          <p:cNvPr id="24" name="テキスト ボックス 17">
-            <a:extLst>
-              <a:ext uri="{FF2B5EF4-FFF2-40B4-BE49-F238E27FC236}">
-                <a16:creationId xmlns:a16="http://schemas.microsoft.com/office/drawing/2014/main" id="{50DBBE51-1FF9-4F16-A9A7-5A4D0F7DBB94}"/>
-              </a:ext>
-            </a:extLst>
-          </p:cNvPr>
-          <p:cNvSpPr txBox="1"/>
-          <p:nvPr/>
-        </p:nvSpPr>
-        <p:spPr>
-          <a:xfrm>
-            <a:off x="1633762" y="5411750"/>
-            <a:ext cx="933269" cy="369332"/>
-          </a:xfrm>
-          <a:prstGeom prst="rect">
-            <a:avLst/>
-          </a:prstGeom>
-          <a:noFill/>
-        </p:spPr>
-        <p:txBody>
-          <a:bodyPr wrap="none" rtlCol="0">
-            <a:spAutoFit/>
-          </a:bodyPr>
-          <a:lstStyle/>
-          <a:p>
-            <a:r>
-              <a:rPr kumimoji="1" lang="en-US" altLang="ja-JP" dirty="0" smtClean="0">
-                <a:latin typeface="한수원 한울림" panose="020B0600000101010101" pitchFamily="50" charset="-127"/>
-                <a:ea typeface="한수원 한울림" panose="020B0600000101010101" pitchFamily="50" charset="-127"/>
-              </a:rPr>
-              <a:t>HTML5</a:t>
-            </a:r>
-            <a:endParaRPr kumimoji="1" lang="ja-JP" altLang="en-US" dirty="0">
-              <a:latin typeface="한수원 한울림" panose="020B0600000101010101" pitchFamily="50" charset="-127"/>
-            </a:endParaRPr>
-          </a:p>
-        </p:txBody>
-      </p:sp>
-      <p:sp>
-        <p:nvSpPr>
-          <p:cNvPr id="30" name="テキスト ボックス 17">
-            <a:extLst>
-              <a:ext uri="{FF2B5EF4-FFF2-40B4-BE49-F238E27FC236}">
-                <a16:creationId xmlns:a16="http://schemas.microsoft.com/office/drawing/2014/main" id="{3A981B9F-4DF6-4C55-B379-7D19FC91A332}"/>
-              </a:ext>
-            </a:extLst>
-          </p:cNvPr>
-          <p:cNvSpPr txBox="1"/>
-          <p:nvPr/>
-        </p:nvSpPr>
-        <p:spPr>
-          <a:xfrm>
-            <a:off x="5701564" y="5390467"/>
-            <a:ext cx="702436" cy="369332"/>
-          </a:xfrm>
-          <a:prstGeom prst="rect">
-            <a:avLst/>
-          </a:prstGeom>
-          <a:noFill/>
-        </p:spPr>
-        <p:txBody>
-          <a:bodyPr wrap="none" rtlCol="0">
-            <a:spAutoFit/>
-          </a:bodyPr>
-          <a:lstStyle/>
-          <a:p>
-            <a:r>
-              <a:rPr kumimoji="1" lang="en-US" altLang="ja-JP" dirty="0" smtClean="0">
-                <a:latin typeface="한수원 한울림" panose="020B0600000101010101" pitchFamily="50" charset="-127"/>
-                <a:ea typeface="한수원 한울림" panose="020B0600000101010101" pitchFamily="50" charset="-127"/>
-              </a:rPr>
-              <a:t>CSS3</a:t>
-            </a:r>
-            <a:endParaRPr kumimoji="1" lang="ja-JP" altLang="en-US" dirty="0">
-              <a:latin typeface="한수원 한울림" panose="020B0600000101010101" pitchFamily="50" charset="-127"/>
-            </a:endParaRPr>
-          </a:p>
-        </p:txBody>
-      </p:sp>
-      <p:cxnSp>
-        <p:nvCxnSpPr>
-          <p:cNvPr id="31" name="직선 연결선 30">
-            <a:extLst>
-              <a:ext uri="{FF2B5EF4-FFF2-40B4-BE49-F238E27FC236}">
-                <a16:creationId xmlns:a16="http://schemas.microsoft.com/office/drawing/2014/main" id="{52CD4313-8327-45F2-B4CE-98DE20CBBC9D}"/>
-              </a:ext>
-            </a:extLst>
-          </p:cNvPr>
-          <p:cNvCxnSpPr/>
-          <p:nvPr/>
-        </p:nvCxnSpPr>
-        <p:spPr>
-          <a:xfrm>
-            <a:off x="5781040" y="5310407"/>
-            <a:ext cx="629920" cy="0"/>
-          </a:xfrm>
-          <a:prstGeom prst="line">
-            <a:avLst/>
-          </a:prstGeom>
-          <a:ln w="38100">
-            <a:solidFill>
-              <a:schemeClr val="tx1">
-                <a:lumMod val="50000"/>
-                <a:lumOff val="50000"/>
-              </a:schemeClr>
-            </a:solidFill>
-          </a:ln>
-        </p:spPr>
-        <p:style>
-          <a:lnRef idx="1">
-            <a:schemeClr val="accent1"/>
-          </a:lnRef>
-          <a:fillRef idx="0">
-            <a:schemeClr val="accent1"/>
-          </a:fillRef>
-          <a:effectRef idx="0">
-            <a:schemeClr val="accent1"/>
-          </a:effectRef>
-          <a:fontRef idx="minor">
-            <a:schemeClr val="tx1"/>
-          </a:fontRef>
-        </p:style>
-      </p:cxnSp>
-      <p:sp>
-        <p:nvSpPr>
-          <p:cNvPr id="35" name="テキスト ボックス 17">
-            <a:extLst>
-              <a:ext uri="{FF2B5EF4-FFF2-40B4-BE49-F238E27FC236}">
-                <a16:creationId xmlns:a16="http://schemas.microsoft.com/office/drawing/2014/main" id="{31EB51D9-AFB9-4F68-AC44-C23EB860CB83}"/>
-              </a:ext>
-            </a:extLst>
-          </p:cNvPr>
-          <p:cNvSpPr txBox="1"/>
-          <p:nvPr/>
-        </p:nvSpPr>
-        <p:spPr>
-          <a:xfrm>
-            <a:off x="9610668" y="5390467"/>
-            <a:ext cx="984565" cy="369332"/>
-          </a:xfrm>
-          <a:prstGeom prst="rect">
-            <a:avLst/>
-          </a:prstGeom>
-          <a:noFill/>
-        </p:spPr>
-        <p:txBody>
-          <a:bodyPr wrap="none" rtlCol="0">
-            <a:spAutoFit/>
-          </a:bodyPr>
-          <a:lstStyle/>
-          <a:p>
-            <a:r>
-              <a:rPr lang="en-US" altLang="ko-KR" dirty="0" err="1" smtClean="0">
-                <a:latin typeface="한수원 한울림" panose="020B0600000101010101" pitchFamily="50" charset="-127"/>
-                <a:ea typeface="한수원 한울림" panose="020B0600000101010101" pitchFamily="50" charset="-127"/>
-              </a:rPr>
-              <a:t>VSCode</a:t>
-            </a:r>
-            <a:endParaRPr kumimoji="1" lang="ja-JP" altLang="en-US" dirty="0">
-              <a:latin typeface="한수원 한울림" panose="020B0600000101010101" pitchFamily="50" charset="-127"/>
-            </a:endParaRPr>
-          </a:p>
-        </p:txBody>
-      </p:sp>
-      <p:cxnSp>
-        <p:nvCxnSpPr>
-          <p:cNvPr id="36" name="직선 연결선 35">
-            <a:extLst>
-              <a:ext uri="{FF2B5EF4-FFF2-40B4-BE49-F238E27FC236}">
-                <a16:creationId xmlns:a16="http://schemas.microsoft.com/office/drawing/2014/main" id="{87D8C416-B8D6-44CF-915D-6D6FDE05F86C}"/>
-              </a:ext>
-            </a:extLst>
-          </p:cNvPr>
-          <p:cNvCxnSpPr/>
-          <p:nvPr/>
-        </p:nvCxnSpPr>
-        <p:spPr>
-          <a:xfrm>
-            <a:off x="9798411" y="5310407"/>
-            <a:ext cx="629920" cy="0"/>
-          </a:xfrm>
-          <a:prstGeom prst="line">
-            <a:avLst/>
-          </a:prstGeom>
-          <a:ln w="38100">
-            <a:solidFill>
-              <a:schemeClr val="tx1">
-                <a:lumMod val="50000"/>
-                <a:lumOff val="50000"/>
-              </a:schemeClr>
-            </a:solidFill>
-          </a:ln>
-        </p:spPr>
-        <p:style>
-          <a:lnRef idx="1">
-            <a:schemeClr val="accent1"/>
-          </a:lnRef>
-          <a:fillRef idx="0">
-            <a:schemeClr val="accent1"/>
-          </a:fillRef>
-          <a:effectRef idx="0">
-            <a:schemeClr val="accent1"/>
-          </a:effectRef>
-          <a:fontRef idx="minor">
-            <a:schemeClr val="tx1"/>
-          </a:fontRef>
-        </p:style>
-      </p:cxnSp>
-      <p:sp>
-        <p:nvSpPr>
-          <p:cNvPr id="37" name="직사각형 36">
-            <a:extLst>
-              <a:ext uri="{FF2B5EF4-FFF2-40B4-BE49-F238E27FC236}">
-                <a16:creationId xmlns:a16="http://schemas.microsoft.com/office/drawing/2014/main" id="{F6E92AFA-3657-4F82-A927-05C618AC0375}"/>
-              </a:ext>
-            </a:extLst>
-          </p:cNvPr>
-          <p:cNvSpPr/>
-          <p:nvPr/>
-        </p:nvSpPr>
-        <p:spPr>
-          <a:xfrm rot="5400000">
-            <a:off x="2095462" y="4994040"/>
-            <a:ext cx="36000" cy="684000"/>
-          </a:xfrm>
-          <a:prstGeom prst="rect">
-            <a:avLst/>
-          </a:prstGeom>
-          <a:solidFill>
-            <a:schemeClr val="tx1">
-              <a:lumMod val="50000"/>
-              <a:lumOff val="50000"/>
-            </a:schemeClr>
-          </a:solidFill>
-          <a:ln w="38100">
-            <a:noFill/>
-          </a:ln>
-        </p:spPr>
-        <p:style>
-          <a:lnRef idx="1">
-            <a:schemeClr val="accent1"/>
-          </a:lnRef>
-          <a:fillRef idx="0">
-            <a:schemeClr val="accent1"/>
-          </a:fillRef>
-          <a:effectRef idx="0">
-            <a:schemeClr val="accent1"/>
-          </a:effectRef>
-          <a:fontRef idx="minor">
-            <a:schemeClr val="tx1"/>
-          </a:fontRef>
-        </p:style>
-        <p:txBody>
-          <a:bodyPr rtlCol="0" anchor="ctr"/>
-          <a:lstStyle/>
-          <a:p>
-            <a:pPr algn="ctr"/>
-            <a:endParaRPr lang="ko-KR" altLang="en-US"/>
           </a:p>
         </p:txBody>
       </p:sp>
@@ -10520,12 +10040,22 @@
         </p:blipFill>
         <p:spPr>
           <a:xfrm>
-            <a:off x="8264179" y="2639575"/>
-            <a:ext cx="3698384" cy="1849192"/>
+            <a:off x="6180640" y="1314221"/>
+            <a:ext cx="4940496" cy="2470248"/>
           </a:xfrm>
           <a:prstGeom prst="rect">
             <a:avLst/>
           </a:prstGeom>
+          <a:ln>
+            <a:noFill/>
+          </a:ln>
+          <a:effectLst>
+            <a:outerShdw blurRad="190500" algn="tl" rotWithShape="0">
+              <a:srgbClr val="000000">
+                <a:alpha val="70000"/>
+              </a:srgbClr>
+            </a:outerShdw>
+          </a:effectLst>
         </p:spPr>
       </p:pic>
       <p:pic>
@@ -10544,12 +10074,22 @@
         </p:blipFill>
         <p:spPr>
           <a:xfrm>
-            <a:off x="284397" y="2639576"/>
-            <a:ext cx="3631998" cy="1849192"/>
+            <a:off x="894778" y="1318895"/>
+            <a:ext cx="4842634" cy="2465574"/>
           </a:xfrm>
           <a:prstGeom prst="rect">
             <a:avLst/>
           </a:prstGeom>
+          <a:ln>
+            <a:noFill/>
+          </a:ln>
+          <a:effectLst>
+            <a:outerShdw blurRad="292100" dist="139700" dir="2700000" algn="tl" rotWithShape="0">
+              <a:srgbClr val="333333">
+                <a:alpha val="65000"/>
+              </a:srgbClr>
+            </a:outerShdw>
+          </a:effectLst>
         </p:spPr>
       </p:pic>
       <p:pic>
@@ -10568,12 +10108,78 @@
         </p:blipFill>
         <p:spPr>
           <a:xfrm>
-            <a:off x="4287720" y="2639575"/>
-            <a:ext cx="3616560" cy="1849192"/>
+            <a:off x="894779" y="3997264"/>
+            <a:ext cx="4842633" cy="2402017"/>
           </a:xfrm>
           <a:prstGeom prst="rect">
             <a:avLst/>
           </a:prstGeom>
+          <a:ln>
+            <a:noFill/>
+          </a:ln>
+          <a:effectLst>
+            <a:outerShdw blurRad="292100" dist="139700" dir="2700000" algn="tl" rotWithShape="0">
+              <a:srgbClr val="333333">
+                <a:alpha val="65000"/>
+              </a:srgbClr>
+            </a:outerShdw>
+          </a:effectLst>
+        </p:spPr>
+      </p:pic>
+      <p:pic>
+        <p:nvPicPr>
+          <p:cNvPr id="1026" name="Picture 2" descr="깃허브를 포트폴리오로 쓰려면 어떻게 해야할까? — hELLO.">
+            <a:extLst>
+              <a:ext uri="{FF2B5EF4-FFF2-40B4-BE49-F238E27FC236}">
+                <a16:creationId xmlns:a16="http://schemas.microsoft.com/office/drawing/2014/main" id="{760539FC-6856-273D-DA7D-C546A1FB4594}"/>
+              </a:ext>
+            </a:extLst>
+          </p:cNvPr>
+          <p:cNvPicPr>
+            <a:picLocks noChangeAspect="1" noChangeArrowheads="1"/>
+          </p:cNvPicPr>
+          <p:nvPr/>
+        </p:nvPicPr>
+        <p:blipFill>
+          <a:blip r:embed="rId6">
+            <a:extLst>
+              <a:ext uri="{28A0092B-C50C-407E-A947-70E740481C1C}">
+                <a14:useLocalDpi xmlns:a14="http://schemas.microsoft.com/office/drawing/2010/main" val="0"/>
+              </a:ext>
+            </a:extLst>
+          </a:blip>
+          <a:srcRect/>
+          <a:stretch>
+            <a:fillRect/>
+          </a:stretch>
+        </p:blipFill>
+        <p:spPr bwMode="auto">
+          <a:xfrm>
+            <a:off x="6180640" y="3997263"/>
+            <a:ext cx="4974035" cy="2402017"/>
+          </a:xfrm>
+          <a:prstGeom prst="rect">
+            <a:avLst/>
+          </a:prstGeom>
+          <a:ln>
+            <a:noFill/>
+          </a:ln>
+          <a:effectLst>
+            <a:outerShdw blurRad="292100" dist="139700" dir="2700000" algn="tl" rotWithShape="0">
+              <a:srgbClr val="333333">
+                <a:alpha val="65000"/>
+              </a:srgbClr>
+            </a:outerShdw>
+          </a:effectLst>
+          <a:extLst>
+            <a:ext uri="{909E8E84-426E-40DD-AFC4-6F175D3DCCD1}">
+              <a14:hiddenFill xmlns:a14="http://schemas.microsoft.com/office/drawing/2010/main">
+                <a:solidFill>
+                  <a:srgbClr val="FFFFFF"/>
+                </a:solidFill>
+              </a14:hiddenFill>
+            </a:ext>
+          </a:extLst>
         </p:spPr>
       </p:pic>
     </p:spTree>
@@ -10598,13 +10204,6 @@
       </p:transition>
     </mc:Fallback>
   </mc:AlternateContent>
-  <p:timing>
-    <p:tnLst>
-      <p:par>
-        <p:cTn id="1" dur="indefinite" restart="never" nodeType="tmRoot"/>
-      </p:par>
-    </p:tnLst>
-  </p:timing>
 </p:sld>
 </file>
 
@@ -10747,7 +10346,7 @@
           <a:p>
             <a:pPr algn="ctr"/>
             <a:r>
-              <a:rPr lang="ko-KR" altLang="en-US" sz="4400" b="1" dirty="0" smtClean="0">
+              <a:rPr lang="ko-KR" altLang="en-US" sz="4400" b="1" dirty="0">
                 <a:solidFill>
                   <a:schemeClr val="bg1"/>
                 </a:solidFill>
@@ -10756,13 +10355,6 @@
               </a:rPr>
               <a:t>프로젝트 상세</a:t>
             </a:r>
-            <a:endParaRPr lang="ko-KR" altLang="en-US" sz="4400" b="1" dirty="0">
-              <a:solidFill>
-                <a:schemeClr val="bg1"/>
-              </a:solidFill>
-              <a:latin typeface="한수원 한울림" panose="020B0600000101010101" pitchFamily="50" charset="-127"/>
-              <a:ea typeface="한수원 한울림" panose="020B0600000101010101" pitchFamily="50" charset="-127"/>
-            </a:endParaRPr>
           </a:p>
         </p:txBody>
       </p:sp>
@@ -11012,7 +10604,7 @@
             <a:lstStyle/>
             <a:p>
               <a:r>
-                <a:rPr lang="en-US" altLang="ko-KR" dirty="0" smtClean="0">
+                <a:rPr lang="en-US" altLang="ko-KR" dirty="0">
                   <a:solidFill>
                     <a:schemeClr val="tx1">
                       <a:lumMod val="75000"/>
@@ -11060,13 +10652,6 @@
       </p:transition>
     </mc:Fallback>
   </mc:AlternateContent>
-  <p:timing>
-    <p:tnLst>
-      <p:par>
-        <p:cTn id="1" dur="indefinite" restart="never" nodeType="tmRoot"/>
-      </p:par>
-    </p:tnLst>
-  </p:timing>
 </p:sld>
 </file>
 
@@ -11262,16 +10847,12 @@
           <a:lstStyle/>
           <a:p>
             <a:r>
-              <a:rPr lang="ko-KR" altLang="en-US" sz="3200" spc="-300" dirty="0" smtClean="0">
+              <a:rPr lang="ko-KR" altLang="en-US" sz="3200" spc="-300" dirty="0">
                 <a:latin typeface="한수원 한울림" panose="020B0600000101010101" pitchFamily="50" charset="-127"/>
                 <a:ea typeface="한수원 한울림" panose="020B0600000101010101" pitchFamily="50" charset="-127"/>
               </a:rPr>
               <a:t>구조도</a:t>
             </a:r>
-            <a:endParaRPr lang="ko-KR" altLang="en-US" sz="3200" spc="-300" dirty="0">
-              <a:latin typeface="한수원 한울림" panose="020B0600000101010101" pitchFamily="50" charset="-127"/>
-              <a:ea typeface="한수원 한울림" panose="020B0600000101010101" pitchFamily="50" charset="-127"/>
-            </a:endParaRPr>
           </a:p>
         </p:txBody>
       </p:sp>
@@ -11304,7 +10885,7 @@
           <a:lstStyle/>
           <a:p>
             <a:r>
-              <a:rPr lang="en-US" altLang="ko-KR" sz="1200" dirty="0" smtClean="0">
+              <a:rPr lang="en-US" altLang="ko-KR" sz="1200" dirty="0">
                 <a:latin typeface="한수원 한울림" panose="020B0600000101010101" pitchFamily="50" charset="-127"/>
                 <a:ea typeface="한수원 한울림" panose="020B0600000101010101" pitchFamily="50" charset="-127"/>
               </a:rPr>
@@ -11317,36 +10898,2086 @@
           </a:p>
         </p:txBody>
       </p:sp>
-      <p:pic>
-        <p:nvPicPr>
-          <p:cNvPr id="11" name="그림 10"/>
-          <p:cNvPicPr>
-            <a:picLocks noChangeAspect="1"/>
-          </p:cNvPicPr>
-          <p:nvPr/>
-        </p:nvPicPr>
-        <p:blipFill>
-          <a:blip r:embed="rId2">
-            <a:extLst>
-              <a:ext uri="{28A0092B-C50C-407E-A947-70E740481C1C}">
-                <a14:useLocalDpi xmlns:a14="http://schemas.microsoft.com/office/drawing/2010/main" val="0"/>
-              </a:ext>
-            </a:extLst>
-          </a:blip>
-          <a:stretch>
-            <a:fillRect/>
-          </a:stretch>
-        </p:blipFill>
-        <p:spPr>
-          <a:xfrm>
-            <a:off x="2302153" y="1295859"/>
-            <a:ext cx="7516101" cy="5296495"/>
+      <p:sp>
+        <p:nvSpPr>
+          <p:cNvPr id="25" name="직사각형 24">
+            <a:extLst>
+              <a:ext uri="{FF2B5EF4-FFF2-40B4-BE49-F238E27FC236}">
+                <a16:creationId xmlns:a16="http://schemas.microsoft.com/office/drawing/2014/main" id="{83A25903-036D-1496-D717-1E139B949ED0}"/>
+              </a:ext>
+            </a:extLst>
+          </p:cNvPr>
+          <p:cNvSpPr/>
+          <p:nvPr/>
+        </p:nvSpPr>
+        <p:spPr>
+          <a:xfrm>
+            <a:off x="3820015" y="1620250"/>
+            <a:ext cx="2028338" cy="630703"/>
           </a:xfrm>
           <a:prstGeom prst="rect">
             <a:avLst/>
           </a:prstGeom>
         </p:spPr>
-      </p:pic>
+        <p:style>
+          <a:lnRef idx="2">
+            <a:schemeClr val="accent1">
+              <a:shade val="50000"/>
+            </a:schemeClr>
+          </a:lnRef>
+          <a:fillRef idx="1">
+            <a:schemeClr val="accent1"/>
+          </a:fillRef>
+          <a:effectRef idx="0">
+            <a:schemeClr val="accent1"/>
+          </a:effectRef>
+          <a:fontRef idx="minor">
+            <a:schemeClr val="lt1"/>
+          </a:fontRef>
+        </p:style>
+        <p:txBody>
+          <a:bodyPr rtlCol="0" anchor="ctr"/>
+          <a:lstStyle/>
+          <a:p>
+            <a:pPr algn="ctr"/>
+            <a:r>
+              <a:rPr lang="ko-KR" altLang="en-US" dirty="0">
+                <a:latin typeface="한수원 한울림" panose="020B0600000101010101" charset="-127"/>
+                <a:ea typeface="한수원 한울림" panose="020B0600000101010101" charset="-127"/>
+              </a:rPr>
+              <a:t>로그인</a:t>
+            </a:r>
+          </a:p>
+        </p:txBody>
+      </p:sp>
+      <p:sp>
+        <p:nvSpPr>
+          <p:cNvPr id="27" name="직사각형 26">
+            <a:extLst>
+              <a:ext uri="{FF2B5EF4-FFF2-40B4-BE49-F238E27FC236}">
+                <a16:creationId xmlns:a16="http://schemas.microsoft.com/office/drawing/2014/main" id="{BFEC8A57-0BBF-03B1-46DC-328333DF6407}"/>
+              </a:ext>
+            </a:extLst>
+          </p:cNvPr>
+          <p:cNvSpPr/>
+          <p:nvPr/>
+        </p:nvSpPr>
+        <p:spPr>
+          <a:xfrm>
+            <a:off x="6353950" y="1612819"/>
+            <a:ext cx="2028339" cy="623799"/>
+          </a:xfrm>
+          <a:prstGeom prst="rect">
+            <a:avLst/>
+          </a:prstGeom>
+          <a:solidFill>
+            <a:schemeClr val="bg1"/>
+          </a:solidFill>
+        </p:spPr>
+        <p:style>
+          <a:lnRef idx="2">
+            <a:schemeClr val="accent1">
+              <a:shade val="50000"/>
+            </a:schemeClr>
+          </a:lnRef>
+          <a:fillRef idx="1">
+            <a:schemeClr val="accent1"/>
+          </a:fillRef>
+          <a:effectRef idx="0">
+            <a:schemeClr val="accent1"/>
+          </a:effectRef>
+          <a:fontRef idx="minor">
+            <a:schemeClr val="lt1"/>
+          </a:fontRef>
+        </p:style>
+        <p:txBody>
+          <a:bodyPr rtlCol="0" anchor="ctr"/>
+          <a:lstStyle/>
+          <a:p>
+            <a:pPr algn="ctr"/>
+            <a:r>
+              <a:rPr lang="en-US" altLang="ko-KR" dirty="0">
+                <a:solidFill>
+                  <a:schemeClr val="tx1"/>
+                </a:solidFill>
+                <a:latin typeface="한수원 한울림" panose="020B0600000101010101" charset="-127"/>
+                <a:ea typeface="한수원 한울림" panose="020B0600000101010101" charset="-127"/>
+              </a:rPr>
+              <a:t>ID/PW </a:t>
+            </a:r>
+            <a:r>
+              <a:rPr lang="ko-KR" altLang="en-US" dirty="0">
+                <a:solidFill>
+                  <a:schemeClr val="tx1"/>
+                </a:solidFill>
+                <a:latin typeface="한수원 한울림" panose="020B0600000101010101" charset="-127"/>
+                <a:ea typeface="한수원 한울림" panose="020B0600000101010101" charset="-127"/>
+              </a:rPr>
+              <a:t>찾기</a:t>
+            </a:r>
+          </a:p>
+        </p:txBody>
+      </p:sp>
+      <p:sp>
+        <p:nvSpPr>
+          <p:cNvPr id="31" name="직사각형 30">
+            <a:extLst>
+              <a:ext uri="{FF2B5EF4-FFF2-40B4-BE49-F238E27FC236}">
+                <a16:creationId xmlns:a16="http://schemas.microsoft.com/office/drawing/2014/main" id="{680D8CC8-1F1D-FBC2-76EA-F0AFF3ABC0F5}"/>
+              </a:ext>
+            </a:extLst>
+          </p:cNvPr>
+          <p:cNvSpPr/>
+          <p:nvPr/>
+        </p:nvSpPr>
+        <p:spPr>
+          <a:xfrm>
+            <a:off x="8887883" y="1604672"/>
+            <a:ext cx="2028339" cy="623799"/>
+          </a:xfrm>
+          <a:prstGeom prst="rect">
+            <a:avLst/>
+          </a:prstGeom>
+          <a:solidFill>
+            <a:schemeClr val="bg1"/>
+          </a:solidFill>
+        </p:spPr>
+        <p:style>
+          <a:lnRef idx="2">
+            <a:schemeClr val="accent1">
+              <a:shade val="50000"/>
+            </a:schemeClr>
+          </a:lnRef>
+          <a:fillRef idx="1">
+            <a:schemeClr val="accent1"/>
+          </a:fillRef>
+          <a:effectRef idx="0">
+            <a:schemeClr val="accent1"/>
+          </a:effectRef>
+          <a:fontRef idx="minor">
+            <a:schemeClr val="lt1"/>
+          </a:fontRef>
+        </p:style>
+        <p:txBody>
+          <a:bodyPr rtlCol="0" anchor="ctr"/>
+          <a:lstStyle/>
+          <a:p>
+            <a:pPr algn="ctr"/>
+            <a:r>
+              <a:rPr lang="ko-KR" altLang="en-US" dirty="0">
+                <a:solidFill>
+                  <a:schemeClr val="tx1"/>
+                </a:solidFill>
+                <a:latin typeface="한수원 한울림" panose="020B0600000101010101" charset="-127"/>
+                <a:ea typeface="한수원 한울림" panose="020B0600000101010101" charset="-127"/>
+              </a:rPr>
+              <a:t>회원가입</a:t>
+            </a:r>
+          </a:p>
+        </p:txBody>
+      </p:sp>
+      <p:sp>
+        <p:nvSpPr>
+          <p:cNvPr id="32" name="직사각형 31">
+            <a:extLst>
+              <a:ext uri="{FF2B5EF4-FFF2-40B4-BE49-F238E27FC236}">
+                <a16:creationId xmlns:a16="http://schemas.microsoft.com/office/drawing/2014/main" id="{B9CAE7D8-0329-90A0-A597-9AAD346C71A7}"/>
+              </a:ext>
+            </a:extLst>
+          </p:cNvPr>
+          <p:cNvSpPr/>
+          <p:nvPr/>
+        </p:nvSpPr>
+        <p:spPr>
+          <a:xfrm>
+            <a:off x="1137380" y="1618284"/>
+            <a:ext cx="2028338" cy="623799"/>
+          </a:xfrm>
+          <a:prstGeom prst="rect">
+            <a:avLst/>
+          </a:prstGeom>
+        </p:spPr>
+        <p:style>
+          <a:lnRef idx="2">
+            <a:schemeClr val="accent1">
+              <a:shade val="50000"/>
+            </a:schemeClr>
+          </a:lnRef>
+          <a:fillRef idx="1">
+            <a:schemeClr val="accent1"/>
+          </a:fillRef>
+          <a:effectRef idx="0">
+            <a:schemeClr val="accent1"/>
+          </a:effectRef>
+          <a:fontRef idx="minor">
+            <a:schemeClr val="lt1"/>
+          </a:fontRef>
+        </p:style>
+        <p:txBody>
+          <a:bodyPr rtlCol="0" anchor="ctr"/>
+          <a:lstStyle/>
+          <a:p>
+            <a:pPr algn="ctr"/>
+            <a:r>
+              <a:rPr lang="ko-KR" altLang="en-US" dirty="0" err="1">
+                <a:latin typeface="한수원 한울림" panose="020B0600000101010101" charset="-127"/>
+                <a:ea typeface="한수원 한울림" panose="020B0600000101010101" charset="-127"/>
+              </a:rPr>
+              <a:t>메인페이지</a:t>
+            </a:r>
+            <a:endParaRPr lang="ko-KR" altLang="en-US" dirty="0">
+              <a:latin typeface="한수원 한울림" panose="020B0600000101010101" charset="-127"/>
+              <a:ea typeface="한수원 한울림" panose="020B0600000101010101" charset="-127"/>
+            </a:endParaRPr>
+          </a:p>
+        </p:txBody>
+      </p:sp>
+      <p:sp>
+        <p:nvSpPr>
+          <p:cNvPr id="33" name="직사각형 32">
+            <a:extLst>
+              <a:ext uri="{FF2B5EF4-FFF2-40B4-BE49-F238E27FC236}">
+                <a16:creationId xmlns:a16="http://schemas.microsoft.com/office/drawing/2014/main" id="{4DC7DD3C-6526-C339-2CF3-62EE6C219C55}"/>
+              </a:ext>
+            </a:extLst>
+          </p:cNvPr>
+          <p:cNvSpPr/>
+          <p:nvPr/>
+        </p:nvSpPr>
+        <p:spPr>
+          <a:xfrm>
+            <a:off x="8887881" y="2451863"/>
+            <a:ext cx="2028339" cy="571500"/>
+          </a:xfrm>
+          <a:prstGeom prst="rect">
+            <a:avLst/>
+          </a:prstGeom>
+          <a:solidFill>
+            <a:schemeClr val="bg1"/>
+          </a:solidFill>
+        </p:spPr>
+        <p:style>
+          <a:lnRef idx="2">
+            <a:schemeClr val="accent1">
+              <a:shade val="50000"/>
+            </a:schemeClr>
+          </a:lnRef>
+          <a:fillRef idx="1">
+            <a:schemeClr val="accent1"/>
+          </a:fillRef>
+          <a:effectRef idx="0">
+            <a:schemeClr val="accent1"/>
+          </a:effectRef>
+          <a:fontRef idx="minor">
+            <a:schemeClr val="lt1"/>
+          </a:fontRef>
+        </p:style>
+        <p:txBody>
+          <a:bodyPr rtlCol="0" anchor="ctr"/>
+          <a:lstStyle/>
+          <a:p>
+            <a:pPr algn="ctr"/>
+            <a:r>
+              <a:rPr lang="ko-KR" altLang="en-US" dirty="0">
+                <a:solidFill>
+                  <a:schemeClr val="tx1"/>
+                </a:solidFill>
+                <a:latin typeface="한수원 한울림" panose="020B0600000101010101" charset="-127"/>
+                <a:ea typeface="한수원 한울림" panose="020B0600000101010101" charset="-127"/>
+              </a:rPr>
+              <a:t>약관동의</a:t>
+            </a:r>
+          </a:p>
+        </p:txBody>
+      </p:sp>
+      <p:sp>
+        <p:nvSpPr>
+          <p:cNvPr id="34" name="직사각형 33">
+            <a:extLst>
+              <a:ext uri="{FF2B5EF4-FFF2-40B4-BE49-F238E27FC236}">
+                <a16:creationId xmlns:a16="http://schemas.microsoft.com/office/drawing/2014/main" id="{E6F66F51-ABF1-7D5E-9197-B2D694702617}"/>
+              </a:ext>
+            </a:extLst>
+          </p:cNvPr>
+          <p:cNvSpPr/>
+          <p:nvPr/>
+        </p:nvSpPr>
+        <p:spPr>
+          <a:xfrm>
+            <a:off x="8887880" y="3117911"/>
+            <a:ext cx="2028339" cy="571500"/>
+          </a:xfrm>
+          <a:prstGeom prst="rect">
+            <a:avLst/>
+          </a:prstGeom>
+          <a:solidFill>
+            <a:schemeClr val="bg1"/>
+          </a:solidFill>
+        </p:spPr>
+        <p:style>
+          <a:lnRef idx="2">
+            <a:schemeClr val="accent1">
+              <a:shade val="50000"/>
+            </a:schemeClr>
+          </a:lnRef>
+          <a:fillRef idx="1">
+            <a:schemeClr val="accent1"/>
+          </a:fillRef>
+          <a:effectRef idx="0">
+            <a:schemeClr val="accent1"/>
+          </a:effectRef>
+          <a:fontRef idx="minor">
+            <a:schemeClr val="lt1"/>
+          </a:fontRef>
+        </p:style>
+        <p:txBody>
+          <a:bodyPr rtlCol="0" anchor="ctr"/>
+          <a:lstStyle/>
+          <a:p>
+            <a:pPr algn="ctr"/>
+            <a:r>
+              <a:rPr lang="ko-KR" altLang="en-US" dirty="0">
+                <a:solidFill>
+                  <a:schemeClr val="tx1"/>
+                </a:solidFill>
+                <a:latin typeface="한수원 한울림" panose="020B0600000101010101" charset="-127"/>
+                <a:ea typeface="한수원 한울림" panose="020B0600000101010101" charset="-127"/>
+              </a:rPr>
+              <a:t>회원정보입력</a:t>
+            </a:r>
+          </a:p>
+        </p:txBody>
+      </p:sp>
+      <p:sp>
+        <p:nvSpPr>
+          <p:cNvPr id="35" name="직사각형 34">
+            <a:extLst>
+              <a:ext uri="{FF2B5EF4-FFF2-40B4-BE49-F238E27FC236}">
+                <a16:creationId xmlns:a16="http://schemas.microsoft.com/office/drawing/2014/main" id="{D9AB2330-AE77-783C-D10A-F2231BCA3E8B}"/>
+              </a:ext>
+            </a:extLst>
+          </p:cNvPr>
+          <p:cNvSpPr/>
+          <p:nvPr/>
+        </p:nvSpPr>
+        <p:spPr>
+          <a:xfrm>
+            <a:off x="8887879" y="3802463"/>
+            <a:ext cx="2028339" cy="571500"/>
+          </a:xfrm>
+          <a:prstGeom prst="rect">
+            <a:avLst/>
+          </a:prstGeom>
+          <a:solidFill>
+            <a:schemeClr val="bg1"/>
+          </a:solidFill>
+        </p:spPr>
+        <p:style>
+          <a:lnRef idx="2">
+            <a:schemeClr val="accent1">
+              <a:shade val="50000"/>
+            </a:schemeClr>
+          </a:lnRef>
+          <a:fillRef idx="1">
+            <a:schemeClr val="accent1"/>
+          </a:fillRef>
+          <a:effectRef idx="0">
+            <a:schemeClr val="accent1"/>
+          </a:effectRef>
+          <a:fontRef idx="minor">
+            <a:schemeClr val="lt1"/>
+          </a:fontRef>
+        </p:style>
+        <p:txBody>
+          <a:bodyPr rtlCol="0" anchor="ctr"/>
+          <a:lstStyle/>
+          <a:p>
+            <a:pPr algn="ctr"/>
+            <a:r>
+              <a:rPr lang="ko-KR" altLang="en-US" dirty="0">
+                <a:solidFill>
+                  <a:schemeClr val="tx1"/>
+                </a:solidFill>
+                <a:latin typeface="한수원 한울림" panose="020B0600000101010101" charset="-127"/>
+                <a:ea typeface="한수원 한울림" panose="020B0600000101010101" charset="-127"/>
+              </a:rPr>
+              <a:t>회원정보수정</a:t>
+            </a:r>
+          </a:p>
+        </p:txBody>
+      </p:sp>
+      <p:sp>
+        <p:nvSpPr>
+          <p:cNvPr id="37" name="직사각형 36">
+            <a:extLst>
+              <a:ext uri="{FF2B5EF4-FFF2-40B4-BE49-F238E27FC236}">
+                <a16:creationId xmlns:a16="http://schemas.microsoft.com/office/drawing/2014/main" id="{2B675431-5BD5-C7BE-B080-C72CAABC1B41}"/>
+              </a:ext>
+            </a:extLst>
+          </p:cNvPr>
+          <p:cNvSpPr/>
+          <p:nvPr/>
+        </p:nvSpPr>
+        <p:spPr>
+          <a:xfrm>
+            <a:off x="3820007" y="2455363"/>
+            <a:ext cx="2028339" cy="571500"/>
+          </a:xfrm>
+          <a:prstGeom prst="rect">
+            <a:avLst/>
+          </a:prstGeom>
+          <a:solidFill>
+            <a:schemeClr val="bg1"/>
+          </a:solidFill>
+        </p:spPr>
+        <p:style>
+          <a:lnRef idx="2">
+            <a:schemeClr val="accent1">
+              <a:shade val="50000"/>
+            </a:schemeClr>
+          </a:lnRef>
+          <a:fillRef idx="1">
+            <a:schemeClr val="accent1"/>
+          </a:fillRef>
+          <a:effectRef idx="0">
+            <a:schemeClr val="accent1"/>
+          </a:effectRef>
+          <a:fontRef idx="minor">
+            <a:schemeClr val="lt1"/>
+          </a:fontRef>
+        </p:style>
+        <p:txBody>
+          <a:bodyPr rtlCol="0" anchor="ctr"/>
+          <a:lstStyle/>
+          <a:p>
+            <a:pPr algn="ctr"/>
+            <a:r>
+              <a:rPr lang="ko-KR" altLang="en-US" dirty="0">
+                <a:solidFill>
+                  <a:schemeClr val="tx1"/>
+                </a:solidFill>
+                <a:latin typeface="한수원 한울림" panose="020B0600000101010101" charset="-127"/>
+                <a:ea typeface="한수원 한울림" panose="020B0600000101010101" charset="-127"/>
+              </a:rPr>
+              <a:t>이용안내</a:t>
+            </a:r>
+          </a:p>
+        </p:txBody>
+      </p:sp>
+      <p:sp>
+        <p:nvSpPr>
+          <p:cNvPr id="38" name="직사각형 37">
+            <a:extLst>
+              <a:ext uri="{FF2B5EF4-FFF2-40B4-BE49-F238E27FC236}">
+                <a16:creationId xmlns:a16="http://schemas.microsoft.com/office/drawing/2014/main" id="{52A476D2-4634-E2EF-ED9A-7842240702D3}"/>
+              </a:ext>
+            </a:extLst>
+          </p:cNvPr>
+          <p:cNvSpPr/>
+          <p:nvPr/>
+        </p:nvSpPr>
+        <p:spPr>
+          <a:xfrm>
+            <a:off x="1137376" y="2455363"/>
+            <a:ext cx="2028339" cy="571500"/>
+          </a:xfrm>
+          <a:prstGeom prst="rect">
+            <a:avLst/>
+          </a:prstGeom>
+          <a:solidFill>
+            <a:schemeClr val="bg1"/>
+          </a:solidFill>
+        </p:spPr>
+        <p:style>
+          <a:lnRef idx="2">
+            <a:schemeClr val="accent1">
+              <a:shade val="50000"/>
+            </a:schemeClr>
+          </a:lnRef>
+          <a:fillRef idx="1">
+            <a:schemeClr val="accent1"/>
+          </a:fillRef>
+          <a:effectRef idx="0">
+            <a:schemeClr val="accent1"/>
+          </a:effectRef>
+          <a:fontRef idx="minor">
+            <a:schemeClr val="lt1"/>
+          </a:fontRef>
+        </p:style>
+        <p:txBody>
+          <a:bodyPr rtlCol="0" anchor="ctr"/>
+          <a:lstStyle/>
+          <a:p>
+            <a:pPr algn="ctr"/>
+            <a:r>
+              <a:rPr lang="ko-KR" altLang="en-US" dirty="0">
+                <a:solidFill>
+                  <a:schemeClr val="tx1"/>
+                </a:solidFill>
+                <a:latin typeface="한수원 한울림" panose="020B0600000101010101" charset="-127"/>
+                <a:ea typeface="한수원 한울림" panose="020B0600000101010101" charset="-127"/>
+              </a:rPr>
+              <a:t>제품리스트 </a:t>
+            </a:r>
+            <a:endParaRPr lang="en-US" altLang="ko-KR" dirty="0">
+              <a:solidFill>
+                <a:schemeClr val="tx1"/>
+              </a:solidFill>
+              <a:latin typeface="한수원 한울림" panose="020B0600000101010101" charset="-127"/>
+              <a:ea typeface="한수원 한울림" panose="020B0600000101010101" charset="-127"/>
+            </a:endParaRPr>
+          </a:p>
+          <a:p>
+            <a:pPr algn="ctr"/>
+            <a:r>
+              <a:rPr lang="ko-KR" altLang="en-US" dirty="0">
+                <a:solidFill>
+                  <a:schemeClr val="tx1"/>
+                </a:solidFill>
+                <a:latin typeface="한수원 한울림" panose="020B0600000101010101" charset="-127"/>
+                <a:ea typeface="한수원 한울림" panose="020B0600000101010101" charset="-127"/>
+              </a:rPr>
+              <a:t>페이지</a:t>
+            </a:r>
+          </a:p>
+        </p:txBody>
+      </p:sp>
+      <p:sp>
+        <p:nvSpPr>
+          <p:cNvPr id="39" name="직사각형 38">
+            <a:extLst>
+              <a:ext uri="{FF2B5EF4-FFF2-40B4-BE49-F238E27FC236}">
+                <a16:creationId xmlns:a16="http://schemas.microsoft.com/office/drawing/2014/main" id="{89085363-7DF3-5186-D2C7-535CAA453B85}"/>
+              </a:ext>
+            </a:extLst>
+          </p:cNvPr>
+          <p:cNvSpPr/>
+          <p:nvPr/>
+        </p:nvSpPr>
+        <p:spPr>
+          <a:xfrm>
+            <a:off x="1137375" y="3117911"/>
+            <a:ext cx="2028339" cy="571500"/>
+          </a:xfrm>
+          <a:prstGeom prst="rect">
+            <a:avLst/>
+          </a:prstGeom>
+          <a:solidFill>
+            <a:schemeClr val="bg1"/>
+          </a:solidFill>
+        </p:spPr>
+        <p:style>
+          <a:lnRef idx="2">
+            <a:schemeClr val="accent1">
+              <a:shade val="50000"/>
+            </a:schemeClr>
+          </a:lnRef>
+          <a:fillRef idx="1">
+            <a:schemeClr val="accent1"/>
+          </a:fillRef>
+          <a:effectRef idx="0">
+            <a:schemeClr val="accent1"/>
+          </a:effectRef>
+          <a:fontRef idx="minor">
+            <a:schemeClr val="lt1"/>
+          </a:fontRef>
+        </p:style>
+        <p:txBody>
+          <a:bodyPr rtlCol="0" anchor="ctr"/>
+          <a:lstStyle/>
+          <a:p>
+            <a:pPr algn="ctr"/>
+            <a:r>
+              <a:rPr lang="ko-KR" altLang="en-US" dirty="0" err="1">
+                <a:solidFill>
+                  <a:schemeClr val="tx1"/>
+                </a:solidFill>
+                <a:latin typeface="한수원 한울림" panose="020B0600000101010101" charset="-127"/>
+                <a:ea typeface="한수원 한울림" panose="020B0600000101010101" charset="-127"/>
+              </a:rPr>
+              <a:t>제품상세</a:t>
+            </a:r>
+            <a:r>
+              <a:rPr lang="ko-KR" altLang="en-US" dirty="0">
+                <a:solidFill>
+                  <a:schemeClr val="tx1"/>
+                </a:solidFill>
+                <a:latin typeface="한수원 한울림" panose="020B0600000101010101" charset="-127"/>
+                <a:ea typeface="한수원 한울림" panose="020B0600000101010101" charset="-127"/>
+              </a:rPr>
+              <a:t> 페이지</a:t>
+            </a:r>
+          </a:p>
+        </p:txBody>
+      </p:sp>
+      <p:sp>
+        <p:nvSpPr>
+          <p:cNvPr id="40" name="직사각형 39">
+            <a:extLst>
+              <a:ext uri="{FF2B5EF4-FFF2-40B4-BE49-F238E27FC236}">
+                <a16:creationId xmlns:a16="http://schemas.microsoft.com/office/drawing/2014/main" id="{0EC2AA62-086E-E95F-2070-DEB71697C837}"/>
+              </a:ext>
+            </a:extLst>
+          </p:cNvPr>
+          <p:cNvSpPr/>
+          <p:nvPr/>
+        </p:nvSpPr>
+        <p:spPr>
+          <a:xfrm>
+            <a:off x="1137378" y="4320924"/>
+            <a:ext cx="2028339" cy="571500"/>
+          </a:xfrm>
+          <a:prstGeom prst="rect">
+            <a:avLst/>
+          </a:prstGeom>
+          <a:solidFill>
+            <a:schemeClr val="bg1"/>
+          </a:solidFill>
+        </p:spPr>
+        <p:style>
+          <a:lnRef idx="2">
+            <a:schemeClr val="accent1">
+              <a:shade val="50000"/>
+            </a:schemeClr>
+          </a:lnRef>
+          <a:fillRef idx="1">
+            <a:schemeClr val="accent1"/>
+          </a:fillRef>
+          <a:effectRef idx="0">
+            <a:schemeClr val="accent1"/>
+          </a:effectRef>
+          <a:fontRef idx="minor">
+            <a:schemeClr val="lt1"/>
+          </a:fontRef>
+        </p:style>
+        <p:txBody>
+          <a:bodyPr rtlCol="0" anchor="ctr"/>
+          <a:lstStyle/>
+          <a:p>
+            <a:pPr algn="ctr"/>
+            <a:r>
+              <a:rPr lang="ko-KR" altLang="en-US" dirty="0">
+                <a:solidFill>
+                  <a:schemeClr val="tx1"/>
+                </a:solidFill>
+                <a:latin typeface="한수원 한울림" panose="020B0600000101010101" charset="-127"/>
+                <a:ea typeface="한수원 한울림" panose="020B0600000101010101" charset="-127"/>
+              </a:rPr>
+              <a:t>장바구니</a:t>
+            </a:r>
+          </a:p>
+        </p:txBody>
+      </p:sp>
+      <p:sp>
+        <p:nvSpPr>
+          <p:cNvPr id="41" name="직사각형 40">
+            <a:extLst>
+              <a:ext uri="{FF2B5EF4-FFF2-40B4-BE49-F238E27FC236}">
+                <a16:creationId xmlns:a16="http://schemas.microsoft.com/office/drawing/2014/main" id="{3184E537-E8FD-C7CE-04D6-56E026BF3369}"/>
+              </a:ext>
+            </a:extLst>
+          </p:cNvPr>
+          <p:cNvSpPr/>
+          <p:nvPr/>
+        </p:nvSpPr>
+        <p:spPr>
+          <a:xfrm>
+            <a:off x="3820009" y="4320924"/>
+            <a:ext cx="2028339" cy="571500"/>
+          </a:xfrm>
+          <a:prstGeom prst="rect">
+            <a:avLst/>
+          </a:prstGeom>
+          <a:solidFill>
+            <a:schemeClr val="bg1"/>
+          </a:solidFill>
+        </p:spPr>
+        <p:style>
+          <a:lnRef idx="2">
+            <a:schemeClr val="accent1">
+              <a:shade val="50000"/>
+            </a:schemeClr>
+          </a:lnRef>
+          <a:fillRef idx="1">
+            <a:schemeClr val="accent1"/>
+          </a:fillRef>
+          <a:effectRef idx="0">
+            <a:schemeClr val="accent1"/>
+          </a:effectRef>
+          <a:fontRef idx="minor">
+            <a:schemeClr val="lt1"/>
+          </a:fontRef>
+        </p:style>
+        <p:txBody>
+          <a:bodyPr rtlCol="0" anchor="ctr"/>
+          <a:lstStyle/>
+          <a:p>
+            <a:pPr algn="ctr"/>
+            <a:r>
+              <a:rPr lang="ko-KR" altLang="en-US" dirty="0">
+                <a:solidFill>
+                  <a:schemeClr val="tx1"/>
+                </a:solidFill>
+                <a:latin typeface="한수원 한울림" panose="020B0600000101010101" charset="-127"/>
+                <a:ea typeface="한수원 한울림" panose="020B0600000101010101" charset="-127"/>
+              </a:rPr>
+              <a:t>주문</a:t>
+            </a:r>
+            <a:r>
+              <a:rPr lang="en-US" altLang="ko-KR" dirty="0">
+                <a:solidFill>
+                  <a:schemeClr val="tx1"/>
+                </a:solidFill>
+                <a:latin typeface="한수원 한울림" panose="020B0600000101010101" charset="-127"/>
+                <a:ea typeface="한수원 한울림" panose="020B0600000101010101" charset="-127"/>
+              </a:rPr>
+              <a:t>/</a:t>
+            </a:r>
+            <a:r>
+              <a:rPr lang="ko-KR" altLang="en-US" dirty="0">
+                <a:solidFill>
+                  <a:schemeClr val="tx1"/>
+                </a:solidFill>
+                <a:latin typeface="한수원 한울림" panose="020B0600000101010101" charset="-127"/>
+                <a:ea typeface="한수원 한울림" panose="020B0600000101010101" charset="-127"/>
+              </a:rPr>
+              <a:t>배송지정보</a:t>
+            </a:r>
+          </a:p>
+        </p:txBody>
+      </p:sp>
+      <p:sp>
+        <p:nvSpPr>
+          <p:cNvPr id="42" name="직사각형 41">
+            <a:extLst>
+              <a:ext uri="{FF2B5EF4-FFF2-40B4-BE49-F238E27FC236}">
+                <a16:creationId xmlns:a16="http://schemas.microsoft.com/office/drawing/2014/main" id="{7689FE4A-C386-7A5E-B1B5-CD320B3CBCDD}"/>
+              </a:ext>
+            </a:extLst>
+          </p:cNvPr>
+          <p:cNvSpPr/>
+          <p:nvPr/>
+        </p:nvSpPr>
+        <p:spPr>
+          <a:xfrm>
+            <a:off x="3820007" y="5005518"/>
+            <a:ext cx="2028337" cy="521893"/>
+          </a:xfrm>
+          <a:prstGeom prst="rect">
+            <a:avLst/>
+          </a:prstGeom>
+          <a:solidFill>
+            <a:schemeClr val="bg1"/>
+          </a:solidFill>
+        </p:spPr>
+        <p:style>
+          <a:lnRef idx="2">
+            <a:schemeClr val="accent1">
+              <a:shade val="50000"/>
+            </a:schemeClr>
+          </a:lnRef>
+          <a:fillRef idx="1">
+            <a:schemeClr val="accent1"/>
+          </a:fillRef>
+          <a:effectRef idx="0">
+            <a:schemeClr val="accent1"/>
+          </a:effectRef>
+          <a:fontRef idx="minor">
+            <a:schemeClr val="lt1"/>
+          </a:fontRef>
+        </p:style>
+        <p:txBody>
+          <a:bodyPr rtlCol="0" anchor="ctr"/>
+          <a:lstStyle/>
+          <a:p>
+            <a:pPr algn="ctr"/>
+            <a:r>
+              <a:rPr lang="ko-KR" altLang="en-US" dirty="0">
+                <a:solidFill>
+                  <a:schemeClr val="tx1"/>
+                </a:solidFill>
+                <a:latin typeface="한수원 한울림" panose="020B0600000101010101" charset="-127"/>
+                <a:ea typeface="한수원 한울림" panose="020B0600000101010101" charset="-127"/>
+              </a:rPr>
+              <a:t>결제</a:t>
+            </a:r>
+          </a:p>
+        </p:txBody>
+      </p:sp>
+      <p:sp>
+        <p:nvSpPr>
+          <p:cNvPr id="43" name="직사각형 42">
+            <a:extLst>
+              <a:ext uri="{FF2B5EF4-FFF2-40B4-BE49-F238E27FC236}">
+                <a16:creationId xmlns:a16="http://schemas.microsoft.com/office/drawing/2014/main" id="{07768983-89CE-D816-1EB5-E3ACF0D89DD4}"/>
+              </a:ext>
+            </a:extLst>
+          </p:cNvPr>
+          <p:cNvSpPr/>
+          <p:nvPr/>
+        </p:nvSpPr>
+        <p:spPr>
+          <a:xfrm>
+            <a:off x="3820008" y="5640506"/>
+            <a:ext cx="2028339" cy="571500"/>
+          </a:xfrm>
+          <a:prstGeom prst="rect">
+            <a:avLst/>
+          </a:prstGeom>
+          <a:solidFill>
+            <a:schemeClr val="bg1"/>
+          </a:solidFill>
+        </p:spPr>
+        <p:style>
+          <a:lnRef idx="2">
+            <a:schemeClr val="accent1">
+              <a:shade val="50000"/>
+            </a:schemeClr>
+          </a:lnRef>
+          <a:fillRef idx="1">
+            <a:schemeClr val="accent1"/>
+          </a:fillRef>
+          <a:effectRef idx="0">
+            <a:schemeClr val="accent1"/>
+          </a:effectRef>
+          <a:fontRef idx="minor">
+            <a:schemeClr val="lt1"/>
+          </a:fontRef>
+        </p:style>
+        <p:txBody>
+          <a:bodyPr rtlCol="0" anchor="ctr"/>
+          <a:lstStyle/>
+          <a:p>
+            <a:pPr algn="ctr"/>
+            <a:r>
+              <a:rPr lang="ko-KR" altLang="en-US" dirty="0">
+                <a:solidFill>
+                  <a:schemeClr val="tx1"/>
+                </a:solidFill>
+                <a:latin typeface="한수원 한울림" panose="020B0600000101010101" charset="-127"/>
+                <a:ea typeface="한수원 한울림" panose="020B0600000101010101" charset="-127"/>
+              </a:rPr>
+              <a:t>주문내역</a:t>
+            </a:r>
+          </a:p>
+        </p:txBody>
+      </p:sp>
+      <p:sp>
+        <p:nvSpPr>
+          <p:cNvPr id="44" name="직사각형 43">
+            <a:extLst>
+              <a:ext uri="{FF2B5EF4-FFF2-40B4-BE49-F238E27FC236}">
+                <a16:creationId xmlns:a16="http://schemas.microsoft.com/office/drawing/2014/main" id="{809D9A7D-6F46-8BAF-A42B-0E71565D0760}"/>
+              </a:ext>
+            </a:extLst>
+          </p:cNvPr>
+          <p:cNvSpPr/>
+          <p:nvPr/>
+        </p:nvSpPr>
+        <p:spPr>
+          <a:xfrm>
+            <a:off x="1137377" y="5661630"/>
+            <a:ext cx="2028339" cy="291495"/>
+          </a:xfrm>
+          <a:prstGeom prst="rect">
+            <a:avLst/>
+          </a:prstGeom>
+          <a:solidFill>
+            <a:schemeClr val="bg1"/>
+          </a:solidFill>
+        </p:spPr>
+        <p:style>
+          <a:lnRef idx="2">
+            <a:schemeClr val="accent1">
+              <a:shade val="50000"/>
+            </a:schemeClr>
+          </a:lnRef>
+          <a:fillRef idx="1">
+            <a:schemeClr val="accent1"/>
+          </a:fillRef>
+          <a:effectRef idx="0">
+            <a:schemeClr val="accent1"/>
+          </a:effectRef>
+          <a:fontRef idx="minor">
+            <a:schemeClr val="lt1"/>
+          </a:fontRef>
+        </p:style>
+        <p:txBody>
+          <a:bodyPr rtlCol="0" anchor="ctr"/>
+          <a:lstStyle/>
+          <a:p>
+            <a:pPr algn="ctr"/>
+            <a:r>
+              <a:rPr lang="ko-KR" altLang="en-US" dirty="0">
+                <a:solidFill>
+                  <a:schemeClr val="tx1"/>
+                </a:solidFill>
+                <a:latin typeface="한수원 한울림" panose="020B0600000101010101" charset="-127"/>
+                <a:ea typeface="한수원 한울림" panose="020B0600000101010101" charset="-127"/>
+              </a:rPr>
+              <a:t>주문취소</a:t>
+            </a:r>
+          </a:p>
+        </p:txBody>
+      </p:sp>
+      <p:sp>
+        <p:nvSpPr>
+          <p:cNvPr id="45" name="직사각형 44">
+            <a:extLst>
+              <a:ext uri="{FF2B5EF4-FFF2-40B4-BE49-F238E27FC236}">
+                <a16:creationId xmlns:a16="http://schemas.microsoft.com/office/drawing/2014/main" id="{D085E7DC-784A-681E-BE89-18FCE6B09DE8}"/>
+              </a:ext>
+            </a:extLst>
+          </p:cNvPr>
+          <p:cNvSpPr/>
+          <p:nvPr/>
+        </p:nvSpPr>
+        <p:spPr>
+          <a:xfrm>
+            <a:off x="1137378" y="5915765"/>
+            <a:ext cx="2028339" cy="291495"/>
+          </a:xfrm>
+          <a:prstGeom prst="rect">
+            <a:avLst/>
+          </a:prstGeom>
+          <a:solidFill>
+            <a:schemeClr val="bg1"/>
+          </a:solidFill>
+        </p:spPr>
+        <p:style>
+          <a:lnRef idx="2">
+            <a:schemeClr val="accent1">
+              <a:shade val="50000"/>
+            </a:schemeClr>
+          </a:lnRef>
+          <a:fillRef idx="1">
+            <a:schemeClr val="accent1"/>
+          </a:fillRef>
+          <a:effectRef idx="0">
+            <a:schemeClr val="accent1"/>
+          </a:effectRef>
+          <a:fontRef idx="minor">
+            <a:schemeClr val="lt1"/>
+          </a:fontRef>
+        </p:style>
+        <p:txBody>
+          <a:bodyPr rtlCol="0" anchor="ctr"/>
+          <a:lstStyle/>
+          <a:p>
+            <a:pPr algn="ctr"/>
+            <a:r>
+              <a:rPr lang="ko-KR" altLang="en-US" dirty="0">
+                <a:solidFill>
+                  <a:schemeClr val="tx1"/>
+                </a:solidFill>
+                <a:latin typeface="한수원 한울림" panose="020B0600000101010101" charset="-127"/>
+                <a:ea typeface="한수원 한울림" panose="020B0600000101010101" charset="-127"/>
+              </a:rPr>
+              <a:t>교환</a:t>
+            </a:r>
+            <a:r>
+              <a:rPr lang="en-US" altLang="ko-KR" dirty="0">
+                <a:solidFill>
+                  <a:schemeClr val="tx1"/>
+                </a:solidFill>
+                <a:latin typeface="한수원 한울림" panose="020B0600000101010101" charset="-127"/>
+                <a:ea typeface="한수원 한울림" panose="020B0600000101010101" charset="-127"/>
+              </a:rPr>
+              <a:t>/</a:t>
+            </a:r>
+            <a:r>
+              <a:rPr lang="ko-KR" altLang="en-US" dirty="0">
+                <a:solidFill>
+                  <a:schemeClr val="tx1"/>
+                </a:solidFill>
+                <a:latin typeface="한수원 한울림" panose="020B0600000101010101" charset="-127"/>
+                <a:ea typeface="한수원 한울림" panose="020B0600000101010101" charset="-127"/>
+              </a:rPr>
+              <a:t>환불</a:t>
+            </a:r>
+          </a:p>
+        </p:txBody>
+      </p:sp>
+      <p:sp>
+        <p:nvSpPr>
+          <p:cNvPr id="46" name="직사각형 45">
+            <a:extLst>
+              <a:ext uri="{FF2B5EF4-FFF2-40B4-BE49-F238E27FC236}">
+                <a16:creationId xmlns:a16="http://schemas.microsoft.com/office/drawing/2014/main" id="{09163E86-D74D-6863-6223-11D4155B656E}"/>
+              </a:ext>
+            </a:extLst>
+          </p:cNvPr>
+          <p:cNvSpPr/>
+          <p:nvPr/>
+        </p:nvSpPr>
+        <p:spPr>
+          <a:xfrm>
+            <a:off x="3820007" y="3117911"/>
+            <a:ext cx="2028339" cy="571500"/>
+          </a:xfrm>
+          <a:prstGeom prst="rect">
+            <a:avLst/>
+          </a:prstGeom>
+          <a:solidFill>
+            <a:schemeClr val="bg1"/>
+          </a:solidFill>
+        </p:spPr>
+        <p:style>
+          <a:lnRef idx="2">
+            <a:schemeClr val="accent1">
+              <a:shade val="50000"/>
+            </a:schemeClr>
+          </a:lnRef>
+          <a:fillRef idx="1">
+            <a:schemeClr val="accent1"/>
+          </a:fillRef>
+          <a:effectRef idx="0">
+            <a:schemeClr val="accent1"/>
+          </a:effectRef>
+          <a:fontRef idx="minor">
+            <a:schemeClr val="lt1"/>
+          </a:fontRef>
+        </p:style>
+        <p:txBody>
+          <a:bodyPr rtlCol="0" anchor="ctr"/>
+          <a:lstStyle/>
+          <a:p>
+            <a:pPr algn="ctr"/>
+            <a:r>
+              <a:rPr lang="ko-KR" altLang="en-US" dirty="0">
+                <a:solidFill>
+                  <a:schemeClr val="tx1"/>
+                </a:solidFill>
+                <a:latin typeface="한수원 한울림" panose="020B0600000101010101" charset="-127"/>
+                <a:ea typeface="한수원 한울림" panose="020B0600000101010101" charset="-127"/>
+              </a:rPr>
+              <a:t>고객센터</a:t>
+            </a:r>
+          </a:p>
+        </p:txBody>
+      </p:sp>
+      <p:sp>
+        <p:nvSpPr>
+          <p:cNvPr id="47" name="직사각형 46">
+            <a:extLst>
+              <a:ext uri="{FF2B5EF4-FFF2-40B4-BE49-F238E27FC236}">
+                <a16:creationId xmlns:a16="http://schemas.microsoft.com/office/drawing/2014/main" id="{D8230B4B-5449-636C-E31C-3404840D8B2F}"/>
+              </a:ext>
+            </a:extLst>
+          </p:cNvPr>
+          <p:cNvSpPr/>
+          <p:nvPr/>
+        </p:nvSpPr>
+        <p:spPr>
+          <a:xfrm>
+            <a:off x="6353943" y="3117911"/>
+            <a:ext cx="2028339" cy="571500"/>
+          </a:xfrm>
+          <a:prstGeom prst="rect">
+            <a:avLst/>
+          </a:prstGeom>
+          <a:solidFill>
+            <a:schemeClr val="bg1"/>
+          </a:solidFill>
+        </p:spPr>
+        <p:style>
+          <a:lnRef idx="2">
+            <a:schemeClr val="accent1">
+              <a:shade val="50000"/>
+            </a:schemeClr>
+          </a:lnRef>
+          <a:fillRef idx="1">
+            <a:schemeClr val="accent1"/>
+          </a:fillRef>
+          <a:effectRef idx="0">
+            <a:schemeClr val="accent1"/>
+          </a:effectRef>
+          <a:fontRef idx="minor">
+            <a:schemeClr val="lt1"/>
+          </a:fontRef>
+        </p:style>
+        <p:txBody>
+          <a:bodyPr rtlCol="0" anchor="ctr"/>
+          <a:lstStyle/>
+          <a:p>
+            <a:pPr algn="ctr"/>
+            <a:r>
+              <a:rPr lang="ko-KR" altLang="en-US" dirty="0">
+                <a:solidFill>
+                  <a:schemeClr val="tx1"/>
+                </a:solidFill>
+                <a:latin typeface="한수원 한울림" panose="020B0600000101010101" charset="-127"/>
+                <a:ea typeface="한수원 한울림" panose="020B0600000101010101" charset="-127"/>
+              </a:rPr>
+              <a:t>문의내역</a:t>
+            </a:r>
+          </a:p>
+        </p:txBody>
+      </p:sp>
+      <p:sp>
+        <p:nvSpPr>
+          <p:cNvPr id="48" name="직사각형 47">
+            <a:extLst>
+              <a:ext uri="{FF2B5EF4-FFF2-40B4-BE49-F238E27FC236}">
+                <a16:creationId xmlns:a16="http://schemas.microsoft.com/office/drawing/2014/main" id="{236B7D50-9DA2-BAAF-292B-296FD1BC5F40}"/>
+              </a:ext>
+            </a:extLst>
+          </p:cNvPr>
+          <p:cNvSpPr/>
+          <p:nvPr/>
+        </p:nvSpPr>
+        <p:spPr>
+          <a:xfrm>
+            <a:off x="8887884" y="5630015"/>
+            <a:ext cx="2028339" cy="571500"/>
+          </a:xfrm>
+          <a:prstGeom prst="rect">
+            <a:avLst/>
+          </a:prstGeom>
+          <a:solidFill>
+            <a:schemeClr val="accent1"/>
+          </a:solidFill>
+        </p:spPr>
+        <p:style>
+          <a:lnRef idx="2">
+            <a:schemeClr val="accent1">
+              <a:shade val="50000"/>
+            </a:schemeClr>
+          </a:lnRef>
+          <a:fillRef idx="1">
+            <a:schemeClr val="accent1"/>
+          </a:fillRef>
+          <a:effectRef idx="0">
+            <a:schemeClr val="accent1"/>
+          </a:effectRef>
+          <a:fontRef idx="minor">
+            <a:schemeClr val="lt1"/>
+          </a:fontRef>
+        </p:style>
+        <p:txBody>
+          <a:bodyPr rtlCol="0" anchor="ctr"/>
+          <a:lstStyle/>
+          <a:p>
+            <a:pPr algn="ctr"/>
+            <a:r>
+              <a:rPr lang="ko-KR" altLang="en-US">
+                <a:solidFill>
+                  <a:schemeClr val="bg1"/>
+                </a:solidFill>
+                <a:latin typeface="한수원 한울림" panose="020B0600000101010101" charset="-127"/>
+                <a:ea typeface="한수원 한울림" panose="020B0600000101010101" charset="-127"/>
+              </a:rPr>
+              <a:t>마이페이지</a:t>
+            </a:r>
+            <a:endParaRPr lang="ko-KR" altLang="en-US" dirty="0">
+              <a:solidFill>
+                <a:schemeClr val="bg1"/>
+              </a:solidFill>
+              <a:latin typeface="한수원 한울림" panose="020B0600000101010101" charset="-127"/>
+              <a:ea typeface="한수원 한울림" panose="020B0600000101010101" charset="-127"/>
+            </a:endParaRPr>
+          </a:p>
+        </p:txBody>
+      </p:sp>
+      <p:cxnSp>
+        <p:nvCxnSpPr>
+          <p:cNvPr id="62" name="직선 화살표 연결선 61">
+            <a:extLst>
+              <a:ext uri="{FF2B5EF4-FFF2-40B4-BE49-F238E27FC236}">
+                <a16:creationId xmlns:a16="http://schemas.microsoft.com/office/drawing/2014/main" id="{CA291048-5CFC-018B-9DB4-2107CF6D28A9}"/>
+              </a:ext>
+            </a:extLst>
+          </p:cNvPr>
+          <p:cNvCxnSpPr>
+            <a:cxnSpLocks/>
+            <a:stCxn id="32" idx="3"/>
+            <a:endCxn id="25" idx="1"/>
+          </p:cNvCxnSpPr>
+          <p:nvPr/>
+        </p:nvCxnSpPr>
+        <p:spPr>
+          <a:xfrm>
+            <a:off x="3165718" y="1930184"/>
+            <a:ext cx="654297" cy="5418"/>
+          </a:xfrm>
+          <a:prstGeom prst="straightConnector1">
+            <a:avLst/>
+          </a:prstGeom>
+          <a:ln w="28575">
+            <a:solidFill>
+              <a:schemeClr val="accent5"/>
+            </a:solidFill>
+            <a:tailEnd type="triangle"/>
+          </a:ln>
+        </p:spPr>
+        <p:style>
+          <a:lnRef idx="1">
+            <a:schemeClr val="accent1"/>
+          </a:lnRef>
+          <a:fillRef idx="0">
+            <a:schemeClr val="accent1"/>
+          </a:fillRef>
+          <a:effectRef idx="0">
+            <a:schemeClr val="accent1"/>
+          </a:effectRef>
+          <a:fontRef idx="minor">
+            <a:schemeClr val="tx1"/>
+          </a:fontRef>
+        </p:style>
+      </p:cxnSp>
+      <p:cxnSp>
+        <p:nvCxnSpPr>
+          <p:cNvPr id="63" name="직선 화살표 연결선 62">
+            <a:extLst>
+              <a:ext uri="{FF2B5EF4-FFF2-40B4-BE49-F238E27FC236}">
+                <a16:creationId xmlns:a16="http://schemas.microsoft.com/office/drawing/2014/main" id="{9959C886-E7F9-EA88-F3CB-E4B59D186FB4}"/>
+              </a:ext>
+            </a:extLst>
+          </p:cNvPr>
+          <p:cNvCxnSpPr>
+            <a:cxnSpLocks/>
+            <a:stCxn id="25" idx="3"/>
+            <a:endCxn id="27" idx="1"/>
+          </p:cNvCxnSpPr>
+          <p:nvPr/>
+        </p:nvCxnSpPr>
+        <p:spPr>
+          <a:xfrm flipV="1">
+            <a:off x="5848353" y="1924719"/>
+            <a:ext cx="505597" cy="10883"/>
+          </a:xfrm>
+          <a:prstGeom prst="straightConnector1">
+            <a:avLst/>
+          </a:prstGeom>
+          <a:ln w="28575">
+            <a:solidFill>
+              <a:schemeClr val="accent5"/>
+            </a:solidFill>
+            <a:tailEnd type="triangle"/>
+          </a:ln>
+        </p:spPr>
+        <p:style>
+          <a:lnRef idx="1">
+            <a:schemeClr val="accent1"/>
+          </a:lnRef>
+          <a:fillRef idx="0">
+            <a:schemeClr val="accent1"/>
+          </a:fillRef>
+          <a:effectRef idx="0">
+            <a:schemeClr val="accent1"/>
+          </a:effectRef>
+          <a:fontRef idx="minor">
+            <a:schemeClr val="tx1"/>
+          </a:fontRef>
+        </p:style>
+      </p:cxnSp>
+      <p:cxnSp>
+        <p:nvCxnSpPr>
+          <p:cNvPr id="66" name="직선 화살표 연결선 65">
+            <a:extLst>
+              <a:ext uri="{FF2B5EF4-FFF2-40B4-BE49-F238E27FC236}">
+                <a16:creationId xmlns:a16="http://schemas.microsoft.com/office/drawing/2014/main" id="{79BA6294-FE5A-75FE-781E-967D6838EAA9}"/>
+              </a:ext>
+            </a:extLst>
+          </p:cNvPr>
+          <p:cNvCxnSpPr>
+            <a:cxnSpLocks/>
+            <a:endCxn id="31" idx="1"/>
+          </p:cNvCxnSpPr>
+          <p:nvPr/>
+        </p:nvCxnSpPr>
+        <p:spPr>
+          <a:xfrm>
+            <a:off x="8382282" y="1915308"/>
+            <a:ext cx="505601" cy="1264"/>
+          </a:xfrm>
+          <a:prstGeom prst="straightConnector1">
+            <a:avLst/>
+          </a:prstGeom>
+          <a:ln w="28575">
+            <a:solidFill>
+              <a:schemeClr val="accent5"/>
+            </a:solidFill>
+            <a:tailEnd type="triangle"/>
+          </a:ln>
+        </p:spPr>
+        <p:style>
+          <a:lnRef idx="1">
+            <a:schemeClr val="accent1"/>
+          </a:lnRef>
+          <a:fillRef idx="0">
+            <a:schemeClr val="accent1"/>
+          </a:fillRef>
+          <a:effectRef idx="0">
+            <a:schemeClr val="accent1"/>
+          </a:effectRef>
+          <a:fontRef idx="minor">
+            <a:schemeClr val="tx1"/>
+          </a:fontRef>
+        </p:style>
+      </p:cxnSp>
+      <p:cxnSp>
+        <p:nvCxnSpPr>
+          <p:cNvPr id="69" name="직선 화살표 연결선 68">
+            <a:extLst>
+              <a:ext uri="{FF2B5EF4-FFF2-40B4-BE49-F238E27FC236}">
+                <a16:creationId xmlns:a16="http://schemas.microsoft.com/office/drawing/2014/main" id="{480B301C-3BF2-0BDB-25D3-B860F89D0278}"/>
+              </a:ext>
+            </a:extLst>
+          </p:cNvPr>
+          <p:cNvCxnSpPr>
+            <a:cxnSpLocks/>
+            <a:endCxn id="38" idx="0"/>
+          </p:cNvCxnSpPr>
+          <p:nvPr/>
+        </p:nvCxnSpPr>
+        <p:spPr>
+          <a:xfrm>
+            <a:off x="2145433" y="2242989"/>
+            <a:ext cx="6113" cy="212374"/>
+          </a:xfrm>
+          <a:prstGeom prst="straightConnector1">
+            <a:avLst/>
+          </a:prstGeom>
+          <a:ln w="28575">
+            <a:solidFill>
+              <a:schemeClr val="accent5"/>
+            </a:solidFill>
+            <a:tailEnd type="triangle"/>
+          </a:ln>
+        </p:spPr>
+        <p:style>
+          <a:lnRef idx="1">
+            <a:schemeClr val="accent1"/>
+          </a:lnRef>
+          <a:fillRef idx="0">
+            <a:schemeClr val="accent1"/>
+          </a:fillRef>
+          <a:effectRef idx="0">
+            <a:schemeClr val="accent1"/>
+          </a:effectRef>
+          <a:fontRef idx="minor">
+            <a:schemeClr val="tx1"/>
+          </a:fontRef>
+        </p:style>
+      </p:cxnSp>
+      <p:cxnSp>
+        <p:nvCxnSpPr>
+          <p:cNvPr id="77" name="직선 화살표 연결선 76">
+            <a:extLst>
+              <a:ext uri="{FF2B5EF4-FFF2-40B4-BE49-F238E27FC236}">
+                <a16:creationId xmlns:a16="http://schemas.microsoft.com/office/drawing/2014/main" id="{645E35B2-18B9-2018-5377-07F1F4F389E4}"/>
+              </a:ext>
+            </a:extLst>
+          </p:cNvPr>
+          <p:cNvCxnSpPr>
+            <a:cxnSpLocks/>
+            <a:endCxn id="39" idx="0"/>
+          </p:cNvCxnSpPr>
+          <p:nvPr/>
+        </p:nvCxnSpPr>
+        <p:spPr>
+          <a:xfrm>
+            <a:off x="2145433" y="3024058"/>
+            <a:ext cx="6112" cy="93853"/>
+          </a:xfrm>
+          <a:prstGeom prst="straightConnector1">
+            <a:avLst/>
+          </a:prstGeom>
+          <a:ln w="28575">
+            <a:solidFill>
+              <a:schemeClr val="accent5"/>
+            </a:solidFill>
+            <a:tailEnd type="triangle"/>
+          </a:ln>
+        </p:spPr>
+        <p:style>
+          <a:lnRef idx="1">
+            <a:schemeClr val="accent1"/>
+          </a:lnRef>
+          <a:fillRef idx="0">
+            <a:schemeClr val="accent1"/>
+          </a:fillRef>
+          <a:effectRef idx="0">
+            <a:schemeClr val="accent1"/>
+          </a:effectRef>
+          <a:fontRef idx="minor">
+            <a:schemeClr val="tx1"/>
+          </a:fontRef>
+        </p:style>
+      </p:cxnSp>
+      <p:cxnSp>
+        <p:nvCxnSpPr>
+          <p:cNvPr id="79" name="직선 화살표 연결선 78">
+            <a:extLst>
+              <a:ext uri="{FF2B5EF4-FFF2-40B4-BE49-F238E27FC236}">
+                <a16:creationId xmlns:a16="http://schemas.microsoft.com/office/drawing/2014/main" id="{93007135-1606-48AB-DD98-234CC0574052}"/>
+              </a:ext>
+            </a:extLst>
+          </p:cNvPr>
+          <p:cNvCxnSpPr>
+            <a:cxnSpLocks/>
+            <a:endCxn id="40" idx="0"/>
+          </p:cNvCxnSpPr>
+          <p:nvPr/>
+        </p:nvCxnSpPr>
+        <p:spPr>
+          <a:xfrm>
+            <a:off x="2147741" y="3689411"/>
+            <a:ext cx="3807" cy="631513"/>
+          </a:xfrm>
+          <a:prstGeom prst="straightConnector1">
+            <a:avLst/>
+          </a:prstGeom>
+          <a:ln w="28575">
+            <a:solidFill>
+              <a:schemeClr val="accent5"/>
+            </a:solidFill>
+            <a:tailEnd type="triangle"/>
+          </a:ln>
+        </p:spPr>
+        <p:style>
+          <a:lnRef idx="1">
+            <a:schemeClr val="accent1"/>
+          </a:lnRef>
+          <a:fillRef idx="0">
+            <a:schemeClr val="accent1"/>
+          </a:fillRef>
+          <a:effectRef idx="0">
+            <a:schemeClr val="accent1"/>
+          </a:effectRef>
+          <a:fontRef idx="minor">
+            <a:schemeClr val="tx1"/>
+          </a:fontRef>
+        </p:style>
+      </p:cxnSp>
+      <p:cxnSp>
+        <p:nvCxnSpPr>
+          <p:cNvPr id="82" name="직선 화살표 연결선 81">
+            <a:extLst>
+              <a:ext uri="{FF2B5EF4-FFF2-40B4-BE49-F238E27FC236}">
+                <a16:creationId xmlns:a16="http://schemas.microsoft.com/office/drawing/2014/main" id="{6529F3E8-ED00-65BF-3F68-175D20FF9A7C}"/>
+              </a:ext>
+            </a:extLst>
+          </p:cNvPr>
+          <p:cNvCxnSpPr>
+            <a:cxnSpLocks/>
+            <a:endCxn id="42" idx="0"/>
+          </p:cNvCxnSpPr>
+          <p:nvPr/>
+        </p:nvCxnSpPr>
+        <p:spPr>
+          <a:xfrm>
+            <a:off x="4834175" y="4892423"/>
+            <a:ext cx="1" cy="113095"/>
+          </a:xfrm>
+          <a:prstGeom prst="straightConnector1">
+            <a:avLst/>
+          </a:prstGeom>
+          <a:ln w="28575">
+            <a:solidFill>
+              <a:schemeClr val="accent5"/>
+            </a:solidFill>
+            <a:tailEnd type="triangle"/>
+          </a:ln>
+        </p:spPr>
+        <p:style>
+          <a:lnRef idx="1">
+            <a:schemeClr val="accent1"/>
+          </a:lnRef>
+          <a:fillRef idx="0">
+            <a:schemeClr val="accent1"/>
+          </a:fillRef>
+          <a:effectRef idx="0">
+            <a:schemeClr val="accent1"/>
+          </a:effectRef>
+          <a:fontRef idx="minor">
+            <a:schemeClr val="tx1"/>
+          </a:fontRef>
+        </p:style>
+      </p:cxnSp>
+      <p:cxnSp>
+        <p:nvCxnSpPr>
+          <p:cNvPr id="84" name="직선 화살표 연결선 83">
+            <a:extLst>
+              <a:ext uri="{FF2B5EF4-FFF2-40B4-BE49-F238E27FC236}">
+                <a16:creationId xmlns:a16="http://schemas.microsoft.com/office/drawing/2014/main" id="{722DA8E3-EE20-1B9E-E1AD-B898F0040AD9}"/>
+              </a:ext>
+            </a:extLst>
+          </p:cNvPr>
+          <p:cNvCxnSpPr>
+            <a:cxnSpLocks/>
+            <a:stCxn id="40" idx="3"/>
+            <a:endCxn id="41" idx="1"/>
+          </p:cNvCxnSpPr>
+          <p:nvPr/>
+        </p:nvCxnSpPr>
+        <p:spPr>
+          <a:xfrm>
+            <a:off x="3165717" y="4606674"/>
+            <a:ext cx="654292" cy="0"/>
+          </a:xfrm>
+          <a:prstGeom prst="straightConnector1">
+            <a:avLst/>
+          </a:prstGeom>
+          <a:ln w="28575">
+            <a:solidFill>
+              <a:schemeClr val="accent5"/>
+            </a:solidFill>
+            <a:tailEnd type="triangle"/>
+          </a:ln>
+        </p:spPr>
+        <p:style>
+          <a:lnRef idx="1">
+            <a:schemeClr val="accent1"/>
+          </a:lnRef>
+          <a:fillRef idx="0">
+            <a:schemeClr val="accent1"/>
+          </a:fillRef>
+          <a:effectRef idx="0">
+            <a:schemeClr val="accent1"/>
+          </a:effectRef>
+          <a:fontRef idx="minor">
+            <a:schemeClr val="tx1"/>
+          </a:fontRef>
+        </p:style>
+      </p:cxnSp>
+      <p:cxnSp>
+        <p:nvCxnSpPr>
+          <p:cNvPr id="85" name="직선 화살표 연결선 84">
+            <a:extLst>
+              <a:ext uri="{FF2B5EF4-FFF2-40B4-BE49-F238E27FC236}">
+                <a16:creationId xmlns:a16="http://schemas.microsoft.com/office/drawing/2014/main" id="{9C0CB33D-595A-2293-0114-33A958C87E1B}"/>
+              </a:ext>
+            </a:extLst>
+          </p:cNvPr>
+          <p:cNvCxnSpPr>
+            <a:cxnSpLocks/>
+          </p:cNvCxnSpPr>
+          <p:nvPr/>
+        </p:nvCxnSpPr>
+        <p:spPr>
+          <a:xfrm>
+            <a:off x="4843700" y="5540123"/>
+            <a:ext cx="1" cy="113095"/>
+          </a:xfrm>
+          <a:prstGeom prst="straightConnector1">
+            <a:avLst/>
+          </a:prstGeom>
+          <a:ln w="28575">
+            <a:solidFill>
+              <a:schemeClr val="accent5"/>
+            </a:solidFill>
+            <a:tailEnd type="triangle"/>
+          </a:ln>
+        </p:spPr>
+        <p:style>
+          <a:lnRef idx="1">
+            <a:schemeClr val="accent1"/>
+          </a:lnRef>
+          <a:fillRef idx="0">
+            <a:schemeClr val="accent1"/>
+          </a:fillRef>
+          <a:effectRef idx="0">
+            <a:schemeClr val="accent1"/>
+          </a:effectRef>
+          <a:fontRef idx="minor">
+            <a:schemeClr val="tx1"/>
+          </a:fontRef>
+        </p:style>
+      </p:cxnSp>
+      <p:cxnSp>
+        <p:nvCxnSpPr>
+          <p:cNvPr id="88" name="직선 화살표 연결선 87">
+            <a:extLst>
+              <a:ext uri="{FF2B5EF4-FFF2-40B4-BE49-F238E27FC236}">
+                <a16:creationId xmlns:a16="http://schemas.microsoft.com/office/drawing/2014/main" id="{2E905EFE-4D7E-56FA-6195-A58D1D663725}"/>
+              </a:ext>
+            </a:extLst>
+          </p:cNvPr>
+          <p:cNvCxnSpPr>
+            <a:cxnSpLocks/>
+            <a:stCxn id="43" idx="1"/>
+          </p:cNvCxnSpPr>
+          <p:nvPr/>
+        </p:nvCxnSpPr>
+        <p:spPr>
+          <a:xfrm flipH="1" flipV="1">
+            <a:off x="3165714" y="5915765"/>
+            <a:ext cx="654294" cy="10491"/>
+          </a:xfrm>
+          <a:prstGeom prst="straightConnector1">
+            <a:avLst/>
+          </a:prstGeom>
+          <a:ln w="28575">
+            <a:solidFill>
+              <a:schemeClr val="accent5"/>
+            </a:solidFill>
+            <a:tailEnd type="triangle"/>
+          </a:ln>
+        </p:spPr>
+        <p:style>
+          <a:lnRef idx="1">
+            <a:schemeClr val="accent1"/>
+          </a:lnRef>
+          <a:fillRef idx="0">
+            <a:schemeClr val="accent1"/>
+          </a:fillRef>
+          <a:effectRef idx="0">
+            <a:schemeClr val="accent1"/>
+          </a:effectRef>
+          <a:fontRef idx="minor">
+            <a:schemeClr val="tx1"/>
+          </a:fontRef>
+        </p:style>
+      </p:cxnSp>
+      <p:cxnSp>
+        <p:nvCxnSpPr>
+          <p:cNvPr id="91" name="직선 화살표 연결선 90">
+            <a:extLst>
+              <a:ext uri="{FF2B5EF4-FFF2-40B4-BE49-F238E27FC236}">
+                <a16:creationId xmlns:a16="http://schemas.microsoft.com/office/drawing/2014/main" id="{B1F3F6DB-AD99-3865-F47D-B7BCFBC033A4}"/>
+              </a:ext>
+            </a:extLst>
+          </p:cNvPr>
+          <p:cNvCxnSpPr>
+            <a:cxnSpLocks/>
+          </p:cNvCxnSpPr>
+          <p:nvPr/>
+        </p:nvCxnSpPr>
+        <p:spPr>
+          <a:xfrm>
+            <a:off x="9895935" y="2224728"/>
+            <a:ext cx="6113" cy="212374"/>
+          </a:xfrm>
+          <a:prstGeom prst="straightConnector1">
+            <a:avLst/>
+          </a:prstGeom>
+          <a:ln w="28575">
+            <a:solidFill>
+              <a:schemeClr val="accent5"/>
+            </a:solidFill>
+            <a:tailEnd type="triangle"/>
+          </a:ln>
+        </p:spPr>
+        <p:style>
+          <a:lnRef idx="1">
+            <a:schemeClr val="accent1"/>
+          </a:lnRef>
+          <a:fillRef idx="0">
+            <a:schemeClr val="accent1"/>
+          </a:fillRef>
+          <a:effectRef idx="0">
+            <a:schemeClr val="accent1"/>
+          </a:effectRef>
+          <a:fontRef idx="minor">
+            <a:schemeClr val="tx1"/>
+          </a:fontRef>
+        </p:style>
+      </p:cxnSp>
+      <p:cxnSp>
+        <p:nvCxnSpPr>
+          <p:cNvPr id="93" name="직선 화살표 연결선 92">
+            <a:extLst>
+              <a:ext uri="{FF2B5EF4-FFF2-40B4-BE49-F238E27FC236}">
+                <a16:creationId xmlns:a16="http://schemas.microsoft.com/office/drawing/2014/main" id="{A04B6B64-A1CD-B8CC-62D2-5C1DA8EC3CD9}"/>
+              </a:ext>
+            </a:extLst>
+          </p:cNvPr>
+          <p:cNvCxnSpPr>
+            <a:cxnSpLocks/>
+            <a:endCxn id="34" idx="0"/>
+          </p:cNvCxnSpPr>
+          <p:nvPr/>
+        </p:nvCxnSpPr>
+        <p:spPr>
+          <a:xfrm>
+            <a:off x="9895935" y="3034381"/>
+            <a:ext cx="6115" cy="83530"/>
+          </a:xfrm>
+          <a:prstGeom prst="straightConnector1">
+            <a:avLst/>
+          </a:prstGeom>
+          <a:ln w="28575">
+            <a:solidFill>
+              <a:schemeClr val="accent5"/>
+            </a:solidFill>
+            <a:tailEnd type="triangle"/>
+          </a:ln>
+        </p:spPr>
+        <p:style>
+          <a:lnRef idx="1">
+            <a:schemeClr val="accent1"/>
+          </a:lnRef>
+          <a:fillRef idx="0">
+            <a:schemeClr val="accent1"/>
+          </a:fillRef>
+          <a:effectRef idx="0">
+            <a:schemeClr val="accent1"/>
+          </a:effectRef>
+          <a:fontRef idx="minor">
+            <a:schemeClr val="tx1"/>
+          </a:fontRef>
+        </p:style>
+      </p:cxnSp>
+      <p:cxnSp>
+        <p:nvCxnSpPr>
+          <p:cNvPr id="95" name="직선 화살표 연결선 94">
+            <a:extLst>
+              <a:ext uri="{FF2B5EF4-FFF2-40B4-BE49-F238E27FC236}">
+                <a16:creationId xmlns:a16="http://schemas.microsoft.com/office/drawing/2014/main" id="{27DF66B9-3646-A3BD-4A80-BEFEE7AA3686}"/>
+              </a:ext>
+            </a:extLst>
+          </p:cNvPr>
+          <p:cNvCxnSpPr>
+            <a:cxnSpLocks/>
+          </p:cNvCxnSpPr>
+          <p:nvPr/>
+        </p:nvCxnSpPr>
+        <p:spPr>
+          <a:xfrm>
+            <a:off x="9934035" y="3710656"/>
+            <a:ext cx="6115" cy="83530"/>
+          </a:xfrm>
+          <a:prstGeom prst="straightConnector1">
+            <a:avLst/>
+          </a:prstGeom>
+          <a:ln w="28575">
+            <a:solidFill>
+              <a:schemeClr val="accent5"/>
+            </a:solidFill>
+            <a:tailEnd type="triangle"/>
+          </a:ln>
+        </p:spPr>
+        <p:style>
+          <a:lnRef idx="1">
+            <a:schemeClr val="accent1"/>
+          </a:lnRef>
+          <a:fillRef idx="0">
+            <a:schemeClr val="accent1"/>
+          </a:fillRef>
+          <a:effectRef idx="0">
+            <a:schemeClr val="accent1"/>
+          </a:effectRef>
+          <a:fontRef idx="minor">
+            <a:schemeClr val="tx1"/>
+          </a:fontRef>
+        </p:style>
+      </p:cxnSp>
+      <p:cxnSp>
+        <p:nvCxnSpPr>
+          <p:cNvPr id="96" name="직선 화살표 연결선 95">
+            <a:extLst>
+              <a:ext uri="{FF2B5EF4-FFF2-40B4-BE49-F238E27FC236}">
+                <a16:creationId xmlns:a16="http://schemas.microsoft.com/office/drawing/2014/main" id="{8FB60194-15F2-15C9-B76D-019ED812228F}"/>
+              </a:ext>
+            </a:extLst>
+          </p:cNvPr>
+          <p:cNvCxnSpPr>
+            <a:cxnSpLocks/>
+            <a:stCxn id="35" idx="2"/>
+            <a:endCxn id="48" idx="0"/>
+          </p:cNvCxnSpPr>
+          <p:nvPr/>
+        </p:nvCxnSpPr>
+        <p:spPr>
+          <a:xfrm>
+            <a:off x="9902049" y="4373963"/>
+            <a:ext cx="5" cy="1256052"/>
+          </a:xfrm>
+          <a:prstGeom prst="straightConnector1">
+            <a:avLst/>
+          </a:prstGeom>
+          <a:ln w="28575">
+            <a:solidFill>
+              <a:schemeClr val="accent5"/>
+            </a:solidFill>
+            <a:tailEnd type="triangle"/>
+          </a:ln>
+        </p:spPr>
+        <p:style>
+          <a:lnRef idx="1">
+            <a:schemeClr val="accent1"/>
+          </a:lnRef>
+          <a:fillRef idx="0">
+            <a:schemeClr val="accent1"/>
+          </a:fillRef>
+          <a:effectRef idx="0">
+            <a:schemeClr val="accent1"/>
+          </a:effectRef>
+          <a:fontRef idx="minor">
+            <a:schemeClr val="tx1"/>
+          </a:fontRef>
+        </p:style>
+      </p:cxnSp>
+      <p:cxnSp>
+        <p:nvCxnSpPr>
+          <p:cNvPr id="100" name="직선 화살표 연결선 99">
+            <a:extLst>
+              <a:ext uri="{FF2B5EF4-FFF2-40B4-BE49-F238E27FC236}">
+                <a16:creationId xmlns:a16="http://schemas.microsoft.com/office/drawing/2014/main" id="{BEC17D2D-CF7C-520F-0D35-701E8A5E494B}"/>
+              </a:ext>
+            </a:extLst>
+          </p:cNvPr>
+          <p:cNvCxnSpPr>
+            <a:cxnSpLocks/>
+            <a:endCxn id="47" idx="1"/>
+          </p:cNvCxnSpPr>
+          <p:nvPr/>
+        </p:nvCxnSpPr>
+        <p:spPr>
+          <a:xfrm>
+            <a:off x="5848344" y="3403661"/>
+            <a:ext cx="505599" cy="0"/>
+          </a:xfrm>
+          <a:prstGeom prst="straightConnector1">
+            <a:avLst/>
+          </a:prstGeom>
+          <a:ln w="28575">
+            <a:solidFill>
+              <a:schemeClr val="accent5"/>
+            </a:solidFill>
+            <a:tailEnd type="triangle"/>
+          </a:ln>
+        </p:spPr>
+        <p:style>
+          <a:lnRef idx="1">
+            <a:schemeClr val="accent1"/>
+          </a:lnRef>
+          <a:fillRef idx="0">
+            <a:schemeClr val="accent1"/>
+          </a:fillRef>
+          <a:effectRef idx="0">
+            <a:schemeClr val="accent1"/>
+          </a:effectRef>
+          <a:fontRef idx="minor">
+            <a:schemeClr val="tx1"/>
+          </a:fontRef>
+        </p:style>
+      </p:cxnSp>
+      <p:cxnSp>
+        <p:nvCxnSpPr>
+          <p:cNvPr id="103" name="연결선: 꺾임 102">
+            <a:extLst>
+              <a:ext uri="{FF2B5EF4-FFF2-40B4-BE49-F238E27FC236}">
+                <a16:creationId xmlns:a16="http://schemas.microsoft.com/office/drawing/2014/main" id="{C7698C52-317B-67AD-AE72-34A1A9917D9F}"/>
+              </a:ext>
+            </a:extLst>
+          </p:cNvPr>
+          <p:cNvCxnSpPr>
+            <a:cxnSpLocks/>
+            <a:endCxn id="37" idx="1"/>
+          </p:cNvCxnSpPr>
+          <p:nvPr/>
+        </p:nvCxnSpPr>
+        <p:spPr>
+          <a:xfrm rot="16200000" flipH="1">
+            <a:off x="3209427" y="2130533"/>
+            <a:ext cx="785624" cy="435536"/>
+          </a:xfrm>
+          <a:prstGeom prst="bentConnector2">
+            <a:avLst/>
+          </a:prstGeom>
+          <a:ln w="28575">
+            <a:solidFill>
+              <a:schemeClr val="accent5"/>
+            </a:solidFill>
+            <a:tailEnd type="triangle"/>
+          </a:ln>
+        </p:spPr>
+        <p:style>
+          <a:lnRef idx="1">
+            <a:schemeClr val="accent1"/>
+          </a:lnRef>
+          <a:fillRef idx="0">
+            <a:schemeClr val="accent1"/>
+          </a:fillRef>
+          <a:effectRef idx="0">
+            <a:schemeClr val="accent1"/>
+          </a:effectRef>
+          <a:fontRef idx="minor">
+            <a:schemeClr val="tx1"/>
+          </a:fontRef>
+        </p:style>
+      </p:cxnSp>
+      <p:cxnSp>
+        <p:nvCxnSpPr>
+          <p:cNvPr id="106" name="연결선: 꺾임 105">
+            <a:extLst>
+              <a:ext uri="{FF2B5EF4-FFF2-40B4-BE49-F238E27FC236}">
+                <a16:creationId xmlns:a16="http://schemas.microsoft.com/office/drawing/2014/main" id="{924C12DF-B138-0B0B-8A16-4FD387E21B09}"/>
+              </a:ext>
+            </a:extLst>
+          </p:cNvPr>
+          <p:cNvCxnSpPr>
+            <a:cxnSpLocks/>
+          </p:cNvCxnSpPr>
+          <p:nvPr/>
+        </p:nvCxnSpPr>
+        <p:spPr>
+          <a:xfrm rot="16200000" flipH="1">
+            <a:off x="2875414" y="2528225"/>
+            <a:ext cx="1470768" cy="452646"/>
+          </a:xfrm>
+          <a:prstGeom prst="bentConnector2">
+            <a:avLst/>
+          </a:prstGeom>
+          <a:ln w="28575">
+            <a:solidFill>
+              <a:schemeClr val="accent5"/>
+            </a:solidFill>
+            <a:tailEnd type="triangle"/>
+          </a:ln>
+        </p:spPr>
+        <p:style>
+          <a:lnRef idx="1">
+            <a:schemeClr val="accent1"/>
+          </a:lnRef>
+          <a:fillRef idx="0">
+            <a:schemeClr val="accent1"/>
+          </a:fillRef>
+          <a:effectRef idx="0">
+            <a:schemeClr val="accent1"/>
+          </a:effectRef>
+          <a:fontRef idx="minor">
+            <a:schemeClr val="tx1"/>
+          </a:fontRef>
+        </p:style>
+      </p:cxnSp>
+      <p:cxnSp>
+        <p:nvCxnSpPr>
+          <p:cNvPr id="109" name="연결선: 꺾임 108">
+            <a:extLst>
+              <a:ext uri="{FF2B5EF4-FFF2-40B4-BE49-F238E27FC236}">
+                <a16:creationId xmlns:a16="http://schemas.microsoft.com/office/drawing/2014/main" id="{63B4A2FB-953B-ACA5-F707-CE250103992F}"/>
+              </a:ext>
+            </a:extLst>
+          </p:cNvPr>
+          <p:cNvCxnSpPr>
+            <a:cxnSpLocks/>
+            <a:endCxn id="48" idx="1"/>
+          </p:cNvCxnSpPr>
+          <p:nvPr/>
+        </p:nvCxnSpPr>
+        <p:spPr>
+          <a:xfrm rot="16200000" flipH="1">
+            <a:off x="7016335" y="4044216"/>
+            <a:ext cx="2226354" cy="1516744"/>
+          </a:xfrm>
+          <a:prstGeom prst="bentConnector2">
+            <a:avLst/>
+          </a:prstGeom>
+          <a:ln w="28575">
+            <a:solidFill>
+              <a:schemeClr val="accent5"/>
+            </a:solidFill>
+            <a:tailEnd type="triangle"/>
+          </a:ln>
+        </p:spPr>
+        <p:style>
+          <a:lnRef idx="1">
+            <a:schemeClr val="accent1"/>
+          </a:lnRef>
+          <a:fillRef idx="0">
+            <a:schemeClr val="accent1"/>
+          </a:fillRef>
+          <a:effectRef idx="0">
+            <a:schemeClr val="accent1"/>
+          </a:effectRef>
+          <a:fontRef idx="minor">
+            <a:schemeClr val="tx1"/>
+          </a:fontRef>
+        </p:style>
+      </p:cxnSp>
+      <p:cxnSp>
+        <p:nvCxnSpPr>
+          <p:cNvPr id="111" name="직선 화살표 연결선 110">
+            <a:extLst>
+              <a:ext uri="{FF2B5EF4-FFF2-40B4-BE49-F238E27FC236}">
+                <a16:creationId xmlns:a16="http://schemas.microsoft.com/office/drawing/2014/main" id="{7D0960CE-07AB-62FF-0A66-DA7654447518}"/>
+              </a:ext>
+            </a:extLst>
+          </p:cNvPr>
+          <p:cNvCxnSpPr>
+            <a:cxnSpLocks/>
+            <a:endCxn id="48" idx="1"/>
+          </p:cNvCxnSpPr>
+          <p:nvPr/>
+        </p:nvCxnSpPr>
+        <p:spPr>
+          <a:xfrm flipV="1">
+            <a:off x="5848344" y="5915765"/>
+            <a:ext cx="3039540" cy="3236"/>
+          </a:xfrm>
+          <a:prstGeom prst="straightConnector1">
+            <a:avLst/>
+          </a:prstGeom>
+          <a:ln w="28575">
+            <a:solidFill>
+              <a:schemeClr val="accent5"/>
+            </a:solidFill>
+            <a:tailEnd type="triangle"/>
+          </a:ln>
+        </p:spPr>
+        <p:style>
+          <a:lnRef idx="1">
+            <a:schemeClr val="accent1"/>
+          </a:lnRef>
+          <a:fillRef idx="0">
+            <a:schemeClr val="accent1"/>
+          </a:fillRef>
+          <a:effectRef idx="0">
+            <a:schemeClr val="accent1"/>
+          </a:effectRef>
+          <a:fontRef idx="minor">
+            <a:schemeClr val="tx1"/>
+          </a:fontRef>
+        </p:style>
+      </p:cxnSp>
+      <p:cxnSp>
+        <p:nvCxnSpPr>
+          <p:cNvPr id="113" name="직선 화살표 연결선 112">
+            <a:extLst>
+              <a:ext uri="{FF2B5EF4-FFF2-40B4-BE49-F238E27FC236}">
+                <a16:creationId xmlns:a16="http://schemas.microsoft.com/office/drawing/2014/main" id="{2572428A-316F-59AD-2B6A-199EDC4FB7B8}"/>
+              </a:ext>
+            </a:extLst>
+          </p:cNvPr>
+          <p:cNvCxnSpPr>
+            <a:cxnSpLocks/>
+          </p:cNvCxnSpPr>
+          <p:nvPr/>
+        </p:nvCxnSpPr>
+        <p:spPr>
+          <a:xfrm flipH="1" flipV="1">
+            <a:off x="5859056" y="5914799"/>
+            <a:ext cx="3009778" cy="10491"/>
+          </a:xfrm>
+          <a:prstGeom prst="straightConnector1">
+            <a:avLst/>
+          </a:prstGeom>
+          <a:ln w="28575">
+            <a:solidFill>
+              <a:schemeClr val="accent5"/>
+            </a:solidFill>
+            <a:tailEnd type="triangle"/>
+          </a:ln>
+        </p:spPr>
+        <p:style>
+          <a:lnRef idx="1">
+            <a:schemeClr val="accent1"/>
+          </a:lnRef>
+          <a:fillRef idx="0">
+            <a:schemeClr val="accent1"/>
+          </a:fillRef>
+          <a:effectRef idx="0">
+            <a:schemeClr val="accent1"/>
+          </a:effectRef>
+          <a:fontRef idx="minor">
+            <a:schemeClr val="tx1"/>
+          </a:fontRef>
+        </p:style>
+      </p:cxnSp>
     </p:spTree>
     <p:extLst>
       <p:ext uri="{BB962C8B-B14F-4D97-AF65-F5344CB8AC3E}">
@@ -11369,13 +13000,6 @@
       </p:transition>
     </mc:Fallback>
   </mc:AlternateContent>
-  <p:timing>
-    <p:tnLst>
-      <p:par>
-        <p:cTn id="1" dur="indefinite" restart="never" nodeType="tmRoot"/>
-      </p:par>
-    </p:tnLst>
-  </p:timing>
 </p:sld>
 </file>
 
@@ -11571,28 +13195,28 @@
           <a:lstStyle/>
           <a:p>
             <a:r>
-              <a:rPr lang="ko-KR" altLang="en-US" sz="3200" spc="-300" dirty="0" err="1" smtClean="0">
+              <a:rPr lang="ko-KR" altLang="en-US" sz="3200" spc="-300" dirty="0" err="1">
                 <a:latin typeface="한수원 한울림" panose="020B0600000101010101" pitchFamily="50" charset="-127"/>
                 <a:ea typeface="한수원 한울림" panose="020B0600000101010101" pitchFamily="50" charset="-127"/>
               </a:rPr>
               <a:t>기술설명</a:t>
             </a:r>
             <a:r>
-              <a:rPr lang="ko-KR" altLang="en-US" sz="3200" spc="-300" dirty="0" smtClean="0">
+              <a:rPr lang="ko-KR" altLang="en-US" sz="3200" spc="-300" dirty="0">
                 <a:latin typeface="한수원 한울림" panose="020B0600000101010101" pitchFamily="50" charset="-127"/>
                 <a:ea typeface="한수원 한울림" panose="020B0600000101010101" pitchFamily="50" charset="-127"/>
               </a:rPr>
               <a:t> </a:t>
             </a:r>
             <a:r>
-              <a:rPr lang="en-US" altLang="ko-KR" sz="3200" spc="-300" dirty="0" smtClean="0">
+              <a:rPr lang="en-US" altLang="ko-KR" sz="3200" spc="-300" dirty="0">
                 <a:latin typeface="한수원 한울림" panose="020B0600000101010101" pitchFamily="50" charset="-127"/>
                 <a:ea typeface="한수원 한울림" panose="020B0600000101010101" pitchFamily="50" charset="-127"/>
               </a:rPr>
               <a:t>- </a:t>
             </a:r>
             <a:r>
-              <a:rPr lang="ko-KR" altLang="en-US" sz="3200" spc="-300" dirty="0" err="1" smtClean="0">
+              <a:rPr lang="ko-KR" altLang="en-US" sz="3200" spc="-300" dirty="0" err="1">
                 <a:latin typeface="한수원 한울림" panose="020B0600000101010101" pitchFamily="50" charset="-127"/>
                 <a:ea typeface="한수원 한울림" panose="020B0600000101010101" pitchFamily="50" charset="-127"/>
               </a:rPr>
@@ -11634,7 +13258,7 @@
           <a:lstStyle/>
           <a:p>
             <a:r>
-              <a:rPr lang="en-US" altLang="ko-KR" sz="1200" dirty="0" smtClean="0">
+              <a:rPr lang="en-US" altLang="ko-KR" sz="1200" dirty="0">
                 <a:latin typeface="한수원 한울림" panose="020B0600000101010101" pitchFamily="50" charset="-127"/>
                 <a:ea typeface="한수원 한울림" panose="020B0600000101010101" pitchFamily="50" charset="-127"/>
               </a:rPr>
@@ -11669,13 +13293,6 @@
       </p:transition>
     </mc:Fallback>
   </mc:AlternateContent>
-  <p:timing>
-    <p:tnLst>
-      <p:par>
-        <p:cTn id="1" dur="indefinite" restart="never" nodeType="tmRoot"/>
-      </p:par>
-    </p:tnLst>
-  </p:timing>
 </p:sld>
 </file>
 
